--- a/presentations/Lecture_2_Planning_a_Sequencing_Experiment.pptx
+++ b/presentations/Lecture_2_Planning_a_Sequencing_Experiment.pptx
@@ -1,6 +1,6 @@
 
 <file path=ppt/presentation.xml><?xml version="1.0" encoding="utf-8"?>
-<p:presentation xmlns:a="http://schemas.openxmlformats.org/drawingml/2006/main" xmlns:r="http://schemas.openxmlformats.org/officeDocument/2006/relationships" xmlns:p="http://schemas.openxmlformats.org/presentationml/2006/main" saveSubsetFonts="1">
+<p:presentation xmlns:a="http://schemas.openxmlformats.org/drawingml/2006/main" xmlns:r="http://schemas.openxmlformats.org/officeDocument/2006/relationships" xmlns:mc="http://schemas.openxmlformats.org/markup-compatibility/2006" xmlns:mv="urn:schemas-microsoft-com:mac:vml" xmlns:p="http://schemas.openxmlformats.org/presentationml/2006/main" mc:Ignorable="mv" mc:PreserveAttributes="mv:*" saveSubsetFonts="1">
   <p:sldMasterIdLst>
     <p:sldMasterId id="2147483648" r:id="rId1"/>
   </p:sldMasterIdLst>
@@ -22,6 +22,9 @@
     <p:sldId id="272" r:id="rId16"/>
     <p:sldId id="273" r:id="rId17"/>
     <p:sldId id="274" r:id="rId18"/>
+    <p:sldId id="275" r:id="rId19"/>
+    <p:sldId id="276" r:id="rId20"/>
+    <p:sldId id="277" r:id="rId21"/>
   </p:sldIdLst>
   <p:sldSz cx="9144000" cy="6858000" type="screen4x3"/>
   <p:notesSz cx="6858000" cy="9144000"/>
@@ -124,7 +127,7 @@
 </file>
 
 <file path=ppt/slideLayouts/slideLayout1.xml><?xml version="1.0" encoding="utf-8"?>
-<p:sldLayout xmlns:a="http://schemas.openxmlformats.org/drawingml/2006/main" xmlns:r="http://schemas.openxmlformats.org/officeDocument/2006/relationships" xmlns:p="http://schemas.openxmlformats.org/presentationml/2006/main" type="title" preserve="1">
+<p:sldLayout xmlns:a="http://schemas.openxmlformats.org/drawingml/2006/main" xmlns:r="http://schemas.openxmlformats.org/officeDocument/2006/relationships" xmlns:mc="http://schemas.openxmlformats.org/markup-compatibility/2006" xmlns:mv="urn:schemas-microsoft-com:mac:vml" xmlns:p="http://schemas.openxmlformats.org/presentationml/2006/main" mc:Ignorable="mv" mc:PreserveAttributes="mv:*" type="title" preserve="1">
   <p:cSld name="Title Slide">
     <p:spTree>
       <p:nvGrpSpPr>
@@ -305,7 +308,7 @@
             <a:fld id="{ED21D0F6-FB88-41C0-8574-15FBB0F27DE1}" type="datetimeFigureOut">
               <a:rPr lang="en-GB" smtClean="0"/>
               <a:pPr/>
-              <a:t>23/10/2011</a:t>
+              <a:t>10/24/11</a:t>
             </a:fld>
             <a:endParaRPr lang="en-GB"/>
           </a:p>
@@ -363,7 +366,7 @@
 </file>
 
 <file path=ppt/slideLayouts/slideLayout10.xml><?xml version="1.0" encoding="utf-8"?>
-<p:sldLayout xmlns:a="http://schemas.openxmlformats.org/drawingml/2006/main" xmlns:r="http://schemas.openxmlformats.org/officeDocument/2006/relationships" xmlns:p="http://schemas.openxmlformats.org/presentationml/2006/main" type="vertTx" preserve="1">
+<p:sldLayout xmlns:a="http://schemas.openxmlformats.org/drawingml/2006/main" xmlns:r="http://schemas.openxmlformats.org/officeDocument/2006/relationships" xmlns:mc="http://schemas.openxmlformats.org/markup-compatibility/2006" xmlns:mv="urn:schemas-microsoft-com:mac:vml" xmlns:p="http://schemas.openxmlformats.org/presentationml/2006/main" mc:Ignorable="mv" mc:PreserveAttributes="mv:*" type="vertTx" preserve="1">
   <p:cSld name="Title and Vertical Text">
     <p:spTree>
       <p:nvGrpSpPr>
@@ -472,7 +475,7 @@
             <a:fld id="{ED21D0F6-FB88-41C0-8574-15FBB0F27DE1}" type="datetimeFigureOut">
               <a:rPr lang="en-GB" smtClean="0"/>
               <a:pPr/>
-              <a:t>23/10/2011</a:t>
+              <a:t>10/24/11</a:t>
             </a:fld>
             <a:endParaRPr lang="en-GB"/>
           </a:p>
@@ -530,7 +533,7 @@
 </file>
 
 <file path=ppt/slideLayouts/slideLayout11.xml><?xml version="1.0" encoding="utf-8"?>
-<p:sldLayout xmlns:a="http://schemas.openxmlformats.org/drawingml/2006/main" xmlns:r="http://schemas.openxmlformats.org/officeDocument/2006/relationships" xmlns:p="http://schemas.openxmlformats.org/presentationml/2006/main" type="vertTitleAndTx" preserve="1">
+<p:sldLayout xmlns:a="http://schemas.openxmlformats.org/drawingml/2006/main" xmlns:r="http://schemas.openxmlformats.org/officeDocument/2006/relationships" xmlns:mc="http://schemas.openxmlformats.org/markup-compatibility/2006" xmlns:mv="urn:schemas-microsoft-com:mac:vml" xmlns:p="http://schemas.openxmlformats.org/presentationml/2006/main" mc:Ignorable="mv" mc:PreserveAttributes="mv:*" type="vertTitleAndTx" preserve="1">
   <p:cSld name="Vertical Title and Text">
     <p:spTree>
       <p:nvGrpSpPr>
@@ -649,7 +652,7 @@
             <a:fld id="{ED21D0F6-FB88-41C0-8574-15FBB0F27DE1}" type="datetimeFigureOut">
               <a:rPr lang="en-GB" smtClean="0"/>
               <a:pPr/>
-              <a:t>23/10/2011</a:t>
+              <a:t>10/24/11</a:t>
             </a:fld>
             <a:endParaRPr lang="en-GB"/>
           </a:p>
@@ -707,7 +710,7 @@
 </file>
 
 <file path=ppt/slideLayouts/slideLayout2.xml><?xml version="1.0" encoding="utf-8"?>
-<p:sldLayout xmlns:a="http://schemas.openxmlformats.org/drawingml/2006/main" xmlns:r="http://schemas.openxmlformats.org/officeDocument/2006/relationships" xmlns:p="http://schemas.openxmlformats.org/presentationml/2006/main" type="obj" preserve="1">
+<p:sldLayout xmlns:a="http://schemas.openxmlformats.org/drawingml/2006/main" xmlns:r="http://schemas.openxmlformats.org/officeDocument/2006/relationships" xmlns:mc="http://schemas.openxmlformats.org/markup-compatibility/2006" xmlns:mv="urn:schemas-microsoft-com:mac:vml" xmlns:p="http://schemas.openxmlformats.org/presentationml/2006/main" mc:Ignorable="mv" mc:PreserveAttributes="mv:*" type="obj" preserve="1">
   <p:cSld name="Title and Content">
     <p:spTree>
       <p:nvGrpSpPr>
@@ -816,7 +819,7 @@
             <a:fld id="{ED21D0F6-FB88-41C0-8574-15FBB0F27DE1}" type="datetimeFigureOut">
               <a:rPr lang="en-GB" smtClean="0"/>
               <a:pPr/>
-              <a:t>23/10/2011</a:t>
+              <a:t>10/24/11</a:t>
             </a:fld>
             <a:endParaRPr lang="en-GB"/>
           </a:p>
@@ -874,7 +877,7 @@
 </file>
 
 <file path=ppt/slideLayouts/slideLayout3.xml><?xml version="1.0" encoding="utf-8"?>
-<p:sldLayout xmlns:a="http://schemas.openxmlformats.org/drawingml/2006/main" xmlns:r="http://schemas.openxmlformats.org/officeDocument/2006/relationships" xmlns:p="http://schemas.openxmlformats.org/presentationml/2006/main" type="secHead" preserve="1">
+<p:sldLayout xmlns:a="http://schemas.openxmlformats.org/drawingml/2006/main" xmlns:r="http://schemas.openxmlformats.org/officeDocument/2006/relationships" xmlns:mc="http://schemas.openxmlformats.org/markup-compatibility/2006" xmlns:mv="urn:schemas-microsoft-com:mac:vml" xmlns:p="http://schemas.openxmlformats.org/presentationml/2006/main" mc:Ignorable="mv" mc:PreserveAttributes="mv:*" type="secHead" preserve="1">
   <p:cSld name="Section Header">
     <p:spTree>
       <p:nvGrpSpPr>
@@ -1059,7 +1062,7 @@
             <a:fld id="{ED21D0F6-FB88-41C0-8574-15FBB0F27DE1}" type="datetimeFigureOut">
               <a:rPr lang="en-GB" smtClean="0"/>
               <a:pPr/>
-              <a:t>23/10/2011</a:t>
+              <a:t>10/24/11</a:t>
             </a:fld>
             <a:endParaRPr lang="en-GB"/>
           </a:p>
@@ -1117,7 +1120,7 @@
 </file>
 
 <file path=ppt/slideLayouts/slideLayout4.xml><?xml version="1.0" encoding="utf-8"?>
-<p:sldLayout xmlns:a="http://schemas.openxmlformats.org/drawingml/2006/main" xmlns:r="http://schemas.openxmlformats.org/officeDocument/2006/relationships" xmlns:p="http://schemas.openxmlformats.org/presentationml/2006/main" type="twoObj" preserve="1">
+<p:sldLayout xmlns:a="http://schemas.openxmlformats.org/drawingml/2006/main" xmlns:r="http://schemas.openxmlformats.org/officeDocument/2006/relationships" xmlns:mc="http://schemas.openxmlformats.org/markup-compatibility/2006" xmlns:mv="urn:schemas-microsoft-com:mac:vml" xmlns:p="http://schemas.openxmlformats.org/presentationml/2006/main" mc:Ignorable="mv" mc:PreserveAttributes="mv:*" type="twoObj" preserve="1">
   <p:cSld name="Two Content">
     <p:spTree>
       <p:nvGrpSpPr>
@@ -1344,7 +1347,7 @@
             <a:fld id="{ED21D0F6-FB88-41C0-8574-15FBB0F27DE1}" type="datetimeFigureOut">
               <a:rPr lang="en-GB" smtClean="0"/>
               <a:pPr/>
-              <a:t>23/10/2011</a:t>
+              <a:t>10/24/11</a:t>
             </a:fld>
             <a:endParaRPr lang="en-GB"/>
           </a:p>
@@ -1402,7 +1405,7 @@
 </file>
 
 <file path=ppt/slideLayouts/slideLayout5.xml><?xml version="1.0" encoding="utf-8"?>
-<p:sldLayout xmlns:a="http://schemas.openxmlformats.org/drawingml/2006/main" xmlns:r="http://schemas.openxmlformats.org/officeDocument/2006/relationships" xmlns:p="http://schemas.openxmlformats.org/presentationml/2006/main" type="twoTxTwoObj" preserve="1">
+<p:sldLayout xmlns:a="http://schemas.openxmlformats.org/drawingml/2006/main" xmlns:r="http://schemas.openxmlformats.org/officeDocument/2006/relationships" xmlns:mc="http://schemas.openxmlformats.org/markup-compatibility/2006" xmlns:mv="urn:schemas-microsoft-com:mac:vml" xmlns:p="http://schemas.openxmlformats.org/presentationml/2006/main" mc:Ignorable="mv" mc:PreserveAttributes="mv:*" type="twoTxTwoObj" preserve="1">
   <p:cSld name="Comparison">
     <p:spTree>
       <p:nvGrpSpPr>
@@ -1763,7 +1766,7 @@
             <a:fld id="{ED21D0F6-FB88-41C0-8574-15FBB0F27DE1}" type="datetimeFigureOut">
               <a:rPr lang="en-GB" smtClean="0"/>
               <a:pPr/>
-              <a:t>23/10/2011</a:t>
+              <a:t>10/24/11</a:t>
             </a:fld>
             <a:endParaRPr lang="en-GB"/>
           </a:p>
@@ -1821,7 +1824,7 @@
 </file>
 
 <file path=ppt/slideLayouts/slideLayout6.xml><?xml version="1.0" encoding="utf-8"?>
-<p:sldLayout xmlns:a="http://schemas.openxmlformats.org/drawingml/2006/main" xmlns:r="http://schemas.openxmlformats.org/officeDocument/2006/relationships" xmlns:p="http://schemas.openxmlformats.org/presentationml/2006/main" type="titleOnly" preserve="1">
+<p:sldLayout xmlns:a="http://schemas.openxmlformats.org/drawingml/2006/main" xmlns:r="http://schemas.openxmlformats.org/officeDocument/2006/relationships" xmlns:mc="http://schemas.openxmlformats.org/markup-compatibility/2006" xmlns:mv="urn:schemas-microsoft-com:mac:vml" xmlns:p="http://schemas.openxmlformats.org/presentationml/2006/main" mc:Ignorable="mv" mc:PreserveAttributes="mv:*" type="titleOnly" preserve="1">
   <p:cSld name="Title Only">
     <p:spTree>
       <p:nvGrpSpPr>
@@ -1878,7 +1881,7 @@
             <a:fld id="{ED21D0F6-FB88-41C0-8574-15FBB0F27DE1}" type="datetimeFigureOut">
               <a:rPr lang="en-GB" smtClean="0"/>
               <a:pPr/>
-              <a:t>23/10/2011</a:t>
+              <a:t>10/24/11</a:t>
             </a:fld>
             <a:endParaRPr lang="en-GB"/>
           </a:p>
@@ -1936,7 +1939,7 @@
 </file>
 
 <file path=ppt/slideLayouts/slideLayout7.xml><?xml version="1.0" encoding="utf-8"?>
-<p:sldLayout xmlns:a="http://schemas.openxmlformats.org/drawingml/2006/main" xmlns:r="http://schemas.openxmlformats.org/officeDocument/2006/relationships" xmlns:p="http://schemas.openxmlformats.org/presentationml/2006/main" type="blank" preserve="1">
+<p:sldLayout xmlns:a="http://schemas.openxmlformats.org/drawingml/2006/main" xmlns:r="http://schemas.openxmlformats.org/officeDocument/2006/relationships" xmlns:mc="http://schemas.openxmlformats.org/markup-compatibility/2006" xmlns:mv="urn:schemas-microsoft-com:mac:vml" xmlns:p="http://schemas.openxmlformats.org/presentationml/2006/main" mc:Ignorable="mv" mc:PreserveAttributes="mv:*" type="blank" preserve="1">
   <p:cSld name="Blank">
     <p:spTree>
       <p:nvGrpSpPr>
@@ -1970,7 +1973,7 @@
             <a:fld id="{ED21D0F6-FB88-41C0-8574-15FBB0F27DE1}" type="datetimeFigureOut">
               <a:rPr lang="en-GB" smtClean="0"/>
               <a:pPr/>
-              <a:t>23/10/2011</a:t>
+              <a:t>10/24/11</a:t>
             </a:fld>
             <a:endParaRPr lang="en-GB"/>
           </a:p>
@@ -2028,7 +2031,7 @@
 </file>
 
 <file path=ppt/slideLayouts/slideLayout8.xml><?xml version="1.0" encoding="utf-8"?>
-<p:sldLayout xmlns:a="http://schemas.openxmlformats.org/drawingml/2006/main" xmlns:r="http://schemas.openxmlformats.org/officeDocument/2006/relationships" xmlns:p="http://schemas.openxmlformats.org/presentationml/2006/main" type="objTx" preserve="1">
+<p:sldLayout xmlns:a="http://schemas.openxmlformats.org/drawingml/2006/main" xmlns:r="http://schemas.openxmlformats.org/officeDocument/2006/relationships" xmlns:mc="http://schemas.openxmlformats.org/markup-compatibility/2006" xmlns:mv="urn:schemas-microsoft-com:mac:vml" xmlns:p="http://schemas.openxmlformats.org/presentationml/2006/main" mc:Ignorable="mv" mc:PreserveAttributes="mv:*" type="objTx" preserve="1">
   <p:cSld name="Content with Caption">
     <p:spTree>
       <p:nvGrpSpPr>
@@ -2244,7 +2247,7 @@
             <a:fld id="{ED21D0F6-FB88-41C0-8574-15FBB0F27DE1}" type="datetimeFigureOut">
               <a:rPr lang="en-GB" smtClean="0"/>
               <a:pPr/>
-              <a:t>23/10/2011</a:t>
+              <a:t>10/24/11</a:t>
             </a:fld>
             <a:endParaRPr lang="en-GB"/>
           </a:p>
@@ -2302,7 +2305,7 @@
 </file>
 
 <file path=ppt/slideLayouts/slideLayout9.xml><?xml version="1.0" encoding="utf-8"?>
-<p:sldLayout xmlns:a="http://schemas.openxmlformats.org/drawingml/2006/main" xmlns:r="http://schemas.openxmlformats.org/officeDocument/2006/relationships" xmlns:p="http://schemas.openxmlformats.org/presentationml/2006/main" type="picTx" preserve="1">
+<p:sldLayout xmlns:a="http://schemas.openxmlformats.org/drawingml/2006/main" xmlns:r="http://schemas.openxmlformats.org/officeDocument/2006/relationships" xmlns:mc="http://schemas.openxmlformats.org/markup-compatibility/2006" xmlns:mv="urn:schemas-microsoft-com:mac:vml" xmlns:p="http://schemas.openxmlformats.org/presentationml/2006/main" mc:Ignorable="mv" mc:PreserveAttributes="mv:*" type="picTx" preserve="1">
   <p:cSld name="Picture with Caption">
     <p:spTree>
       <p:nvGrpSpPr>
@@ -2494,7 +2497,7 @@
             <a:fld id="{ED21D0F6-FB88-41C0-8574-15FBB0F27DE1}" type="datetimeFigureOut">
               <a:rPr lang="en-GB" smtClean="0"/>
               <a:pPr/>
-              <a:t>23/10/2011</a:t>
+              <a:t>10/24/11</a:t>
             </a:fld>
             <a:endParaRPr lang="en-GB"/>
           </a:p>
@@ -2552,7 +2555,7 @@
 </file>
 
 <file path=ppt/slideMasters/slideMaster1.xml><?xml version="1.0" encoding="utf-8"?>
-<p:sldMaster xmlns:a="http://schemas.openxmlformats.org/drawingml/2006/main" xmlns:r="http://schemas.openxmlformats.org/officeDocument/2006/relationships" xmlns:p="http://schemas.openxmlformats.org/presentationml/2006/main">
+<p:sldMaster xmlns:a="http://schemas.openxmlformats.org/drawingml/2006/main" xmlns:r="http://schemas.openxmlformats.org/officeDocument/2006/relationships" xmlns:mc="http://schemas.openxmlformats.org/markup-compatibility/2006" xmlns:mv="urn:schemas-microsoft-com:mac:vml" xmlns:p="http://schemas.openxmlformats.org/presentationml/2006/main" mc:Ignorable="mv" mc:PreserveAttributes="mv:*">
   <p:cSld>
     <p:bg>
       <p:bgRef idx="1001">
@@ -2704,7 +2707,7 @@
             <a:fld id="{ED21D0F6-FB88-41C0-8574-15FBB0F27DE1}" type="datetimeFigureOut">
               <a:rPr lang="en-GB" smtClean="0"/>
               <a:pPr/>
-              <a:t>23/10/2011</a:t>
+              <a:t>10/24/11</a:t>
             </a:fld>
             <a:endParaRPr lang="en-GB"/>
           </a:p>
@@ -3059,7 +3062,7 @@
 </file>
 
 <file path=ppt/slides/slide1.xml><?xml version="1.0" encoding="utf-8"?>
-<p:sld xmlns:a="http://schemas.openxmlformats.org/drawingml/2006/main" xmlns:r="http://schemas.openxmlformats.org/officeDocument/2006/relationships" xmlns:p="http://schemas.openxmlformats.org/presentationml/2006/main">
+<p:sld xmlns:a="http://schemas.openxmlformats.org/drawingml/2006/main" xmlns:r="http://schemas.openxmlformats.org/officeDocument/2006/relationships" xmlns:mc="http://schemas.openxmlformats.org/markup-compatibility/2006" xmlns:mv="urn:schemas-microsoft-com:mac:vml" xmlns:p="http://schemas.openxmlformats.org/presentationml/2006/main" mc:Ignorable="mv" mc:PreserveAttributes="mv:*">
   <p:cSld>
     <p:spTree>
       <p:nvGrpSpPr>
@@ -3132,6 +3135,97 @@
           </a:p>
         </p:txBody>
       </p:sp>
+      <p:pic>
+        <p:nvPicPr>
+          <p:cNvPr id="4" name="Picture 9" descr="CEES-brukket-sort"/>
+          <p:cNvPicPr>
+            <a:picLocks noChangeAspect="1" noChangeArrowheads="1"/>
+          </p:cNvPicPr>
+          <p:nvPr/>
+        </p:nvPicPr>
+        <p:blipFill>
+          <a:blip r:embed="rId2">
+            <a:clrChange>
+              <a:clrFrom>
+                <a:srgbClr val="FFFFFF"/>
+              </a:clrFrom>
+              <a:clrTo>
+                <a:srgbClr val="FFFFFF">
+                  <a:alpha val="0"/>
+                </a:srgbClr>
+              </a:clrTo>
+            </a:clrChange>
+          </a:blip>
+          <a:srcRect/>
+          <a:stretch>
+            <a:fillRect/>
+          </a:stretch>
+        </p:blipFill>
+        <p:spPr bwMode="auto">
+          <a:xfrm>
+            <a:off x="0" y="5714809"/>
+            <a:ext cx="2040759" cy="1143191"/>
+          </a:xfrm>
+          <a:prstGeom prst="rect">
+            <a:avLst/>
+          </a:prstGeom>
+          <a:noFill/>
+          <a:ln w="9525">
+            <a:noFill/>
+            <a:miter lim="800000"/>
+            <a:headEnd/>
+            <a:tailEnd/>
+          </a:ln>
+        </p:spPr>
+      </p:pic>
+      <p:pic>
+        <p:nvPicPr>
+          <p:cNvPr id="5" name="Picture 4" descr="NSC_logo_original_RGB.jpg"/>
+          <p:cNvPicPr>
+            <a:picLocks noChangeAspect="1"/>
+          </p:cNvPicPr>
+          <p:nvPr/>
+        </p:nvPicPr>
+        <p:blipFill>
+          <a:blip r:embed="rId3"/>
+          <a:stretch>
+            <a:fillRect/>
+          </a:stretch>
+        </p:blipFill>
+        <p:spPr>
+          <a:xfrm>
+            <a:off x="1782701" y="385114"/>
+            <a:ext cx="5578598" cy="1187389"/>
+          </a:xfrm>
+          <a:prstGeom prst="rect">
+            <a:avLst/>
+          </a:prstGeom>
+        </p:spPr>
+      </p:pic>
+      <p:pic>
+        <p:nvPicPr>
+          <p:cNvPr id="6" name="Picture 5" descr="uio-logo-web.jpg"/>
+          <p:cNvPicPr>
+            <a:picLocks noChangeAspect="1"/>
+          </p:cNvPicPr>
+          <p:nvPr/>
+        </p:nvPicPr>
+        <p:blipFill>
+          <a:blip r:embed="rId4"/>
+          <a:stretch>
+            <a:fillRect/>
+          </a:stretch>
+        </p:blipFill>
+        <p:spPr>
+          <a:xfrm>
+            <a:off x="7772400" y="5486400"/>
+            <a:ext cx="1371600" cy="1371600"/>
+          </a:xfrm>
+          <a:prstGeom prst="rect">
+            <a:avLst/>
+          </a:prstGeom>
+        </p:spPr>
+      </p:pic>
     </p:spTree>
   </p:cSld>
   <p:clrMapOvr>
@@ -3141,7 +3235,7 @@
 </file>
 
 <file path=ppt/slides/slide10.xml><?xml version="1.0" encoding="utf-8"?>
-<p:sld xmlns:a="http://schemas.openxmlformats.org/drawingml/2006/main" xmlns:r="http://schemas.openxmlformats.org/officeDocument/2006/relationships" xmlns:p="http://schemas.openxmlformats.org/presentationml/2006/main">
+<p:sld xmlns:a="http://schemas.openxmlformats.org/drawingml/2006/main" xmlns:r="http://schemas.openxmlformats.org/officeDocument/2006/relationships" xmlns:mc="http://schemas.openxmlformats.org/markup-compatibility/2006" xmlns:mv="urn:schemas-microsoft-com:mac:vml" xmlns:p="http://schemas.openxmlformats.org/presentationml/2006/main" mc:Ignorable="mv" mc:PreserveAttributes="mv:*">
   <p:cSld>
     <p:spTree>
       <p:nvGrpSpPr>
@@ -3262,7 +3356,7 @@
 </file>
 
 <file path=ppt/slides/slide11.xml><?xml version="1.0" encoding="utf-8"?>
-<p:sld xmlns:a="http://schemas.openxmlformats.org/drawingml/2006/main" xmlns:r="http://schemas.openxmlformats.org/officeDocument/2006/relationships" xmlns:p="http://schemas.openxmlformats.org/presentationml/2006/main">
+<p:sld xmlns:a="http://schemas.openxmlformats.org/drawingml/2006/main" xmlns:r="http://schemas.openxmlformats.org/officeDocument/2006/relationships" xmlns:mc="http://schemas.openxmlformats.org/markup-compatibility/2006" xmlns:mv="urn:schemas-microsoft-com:mac:vml" xmlns:p="http://schemas.openxmlformats.org/presentationml/2006/main" mc:Ignorable="mv" mc:PreserveAttributes="mv:*">
   <p:cSld>
     <p:spTree>
       <p:nvGrpSpPr>
@@ -3435,7 +3529,7 @@
 </file>
 
 <file path=ppt/slides/slide12.xml><?xml version="1.0" encoding="utf-8"?>
-<p:sld xmlns:a="http://schemas.openxmlformats.org/drawingml/2006/main" xmlns:r="http://schemas.openxmlformats.org/officeDocument/2006/relationships" xmlns:p="http://schemas.openxmlformats.org/presentationml/2006/main">
+<p:sld xmlns:a="http://schemas.openxmlformats.org/drawingml/2006/main" xmlns:r="http://schemas.openxmlformats.org/officeDocument/2006/relationships" xmlns:mc="http://schemas.openxmlformats.org/markup-compatibility/2006" xmlns:mv="urn:schemas-microsoft-com:mac:vml" xmlns:p="http://schemas.openxmlformats.org/presentationml/2006/main" mc:Ignorable="mv" mc:PreserveAttributes="mv:*">
   <p:cSld>
     <p:spTree>
       <p:nvGrpSpPr>
@@ -3534,7 +3628,7 @@
 </file>
 
 <file path=ppt/slides/slide13.xml><?xml version="1.0" encoding="utf-8"?>
-<p:sld xmlns:a="http://schemas.openxmlformats.org/drawingml/2006/main" xmlns:r="http://schemas.openxmlformats.org/officeDocument/2006/relationships" xmlns:p="http://schemas.openxmlformats.org/presentationml/2006/main">
+<p:sld xmlns:a="http://schemas.openxmlformats.org/drawingml/2006/main" xmlns:r="http://schemas.openxmlformats.org/officeDocument/2006/relationships" xmlns:mc="http://schemas.openxmlformats.org/markup-compatibility/2006" xmlns:mv="urn:schemas-microsoft-com:mac:vml" xmlns:p="http://schemas.openxmlformats.org/presentationml/2006/main" mc:Ignorable="mv" mc:PreserveAttributes="mv:*">
   <p:cSld>
     <p:spTree>
       <p:nvGrpSpPr>
@@ -3626,7 +3720,7 @@
 </file>
 
 <file path=ppt/slides/slide14.xml><?xml version="1.0" encoding="utf-8"?>
-<p:sld xmlns:a="http://schemas.openxmlformats.org/drawingml/2006/main" xmlns:r="http://schemas.openxmlformats.org/officeDocument/2006/relationships" xmlns:p="http://schemas.openxmlformats.org/presentationml/2006/main">
+<p:sld xmlns:a="http://schemas.openxmlformats.org/drawingml/2006/main" xmlns:r="http://schemas.openxmlformats.org/officeDocument/2006/relationships" xmlns:mc="http://schemas.openxmlformats.org/markup-compatibility/2006" xmlns:mv="urn:schemas-microsoft-com:mac:vml" xmlns:p="http://schemas.openxmlformats.org/presentationml/2006/main" mc:Ignorable="mv" mc:PreserveAttributes="mv:*">
   <p:cSld>
     <p:spTree>
       <p:nvGrpSpPr>
@@ -3711,7 +3805,7 @@
 </file>
 
 <file path=ppt/slides/slide15.xml><?xml version="1.0" encoding="utf-8"?>
-<p:sld xmlns:a="http://schemas.openxmlformats.org/drawingml/2006/main" xmlns:r="http://schemas.openxmlformats.org/officeDocument/2006/relationships" xmlns:p="http://schemas.openxmlformats.org/presentationml/2006/main">
+<p:sld xmlns:a="http://schemas.openxmlformats.org/drawingml/2006/main" xmlns:r="http://schemas.openxmlformats.org/officeDocument/2006/relationships" xmlns:mc="http://schemas.openxmlformats.org/markup-compatibility/2006" xmlns:mv="urn:schemas-microsoft-com:mac:vml" xmlns:p="http://schemas.openxmlformats.org/presentationml/2006/main" mc:Ignorable="mv" mc:PreserveAttributes="mv:*">
   <p:cSld>
     <p:spTree>
       <p:nvGrpSpPr>
@@ -3799,7 +3893,7 @@
 </file>
 
 <file path=ppt/slides/slide16.xml><?xml version="1.0" encoding="utf-8"?>
-<p:sld xmlns:a="http://schemas.openxmlformats.org/drawingml/2006/main" xmlns:r="http://schemas.openxmlformats.org/officeDocument/2006/relationships" xmlns:p="http://schemas.openxmlformats.org/presentationml/2006/main">
+<p:sld xmlns:a="http://schemas.openxmlformats.org/drawingml/2006/main" xmlns:r="http://schemas.openxmlformats.org/officeDocument/2006/relationships" xmlns:mc="http://schemas.openxmlformats.org/markup-compatibility/2006" xmlns:mv="urn:schemas-microsoft-com:mac:vml" xmlns:p="http://schemas.openxmlformats.org/presentationml/2006/main" mc:Ignorable="mv" mc:PreserveAttributes="mv:*">
   <p:cSld>
     <p:spTree>
       <p:nvGrpSpPr>
@@ -3902,11 +3996,7 @@
           <a:p>
             <a:r>
               <a:rPr lang="en-GB" dirty="0" smtClean="0"/>
-              <a:t>Determine </a:t>
-            </a:r>
-            <a:r>
-              <a:rPr lang="en-GB" dirty="0" smtClean="0"/>
-              <a:t>mate-pair strategy, or decide to give up on completeness!</a:t>
+              <a:t>Determine mate-pair strategy, or decide to give up on completeness!</a:t>
             </a:r>
           </a:p>
           <a:p>
@@ -3926,7 +4016,7 @@
 </file>
 
 <file path=ppt/slides/slide17.xml><?xml version="1.0" encoding="utf-8"?>
-<p:sld xmlns:a="http://schemas.openxmlformats.org/drawingml/2006/main" xmlns:r="http://schemas.openxmlformats.org/officeDocument/2006/relationships" xmlns:p="http://schemas.openxmlformats.org/presentationml/2006/main">
+<p:sld xmlns:a="http://schemas.openxmlformats.org/drawingml/2006/main" xmlns:r="http://schemas.openxmlformats.org/officeDocument/2006/relationships" xmlns:mc="http://schemas.openxmlformats.org/markup-compatibility/2006" xmlns:mv="urn:schemas-microsoft-com:mac:vml" xmlns:p="http://schemas.openxmlformats.org/presentationml/2006/main" mc:Ignorable="mv" mc:PreserveAttributes="mv:*">
   <p:cSld>
     <p:spTree>
       <p:nvGrpSpPr>
@@ -4025,8 +4115,365 @@
 </p:sld>
 </file>
 
+<file path=ppt/slides/slide18.xml><?xml version="1.0" encoding="utf-8"?>
+<p:sld xmlns:a="http://schemas.openxmlformats.org/drawingml/2006/main" xmlns:r="http://schemas.openxmlformats.org/officeDocument/2006/relationships" xmlns:mc="http://schemas.openxmlformats.org/markup-compatibility/2006" xmlns:mv="urn:schemas-microsoft-com:mac:vml" xmlns:p="http://schemas.openxmlformats.org/presentationml/2006/main" mc:Ignorable="mv" mc:PreserveAttributes="mv:*">
+  <p:cSld>
+    <p:spTree>
+      <p:nvGrpSpPr>
+        <p:cNvPr id="1" name=""/>
+        <p:cNvGrpSpPr/>
+        <p:nvPr/>
+      </p:nvGrpSpPr>
+      <p:grpSpPr>
+        <a:xfrm>
+          <a:off x="0" y="0"/>
+          <a:ext cx="0" cy="0"/>
+          <a:chOff x="0" y="0"/>
+          <a:chExt cx="0" cy="0"/>
+        </a:xfrm>
+      </p:grpSpPr>
+      <p:sp>
+        <p:nvSpPr>
+          <p:cNvPr id="2" name="Title 1"/>
+          <p:cNvSpPr>
+            <a:spLocks noGrp="1"/>
+          </p:cNvSpPr>
+          <p:nvPr>
+            <p:ph type="title"/>
+          </p:nvPr>
+        </p:nvSpPr>
+        <p:spPr/>
+        <p:txBody>
+          <a:bodyPr>
+            <a:normAutofit/>
+          </a:bodyPr>
+          <a:lstStyle/>
+          <a:p>
+            <a:r>
+              <a:rPr lang="en-US" dirty="0" smtClean="0"/>
+              <a:t>How to sequence a genome</a:t>
+            </a:r>
+            <a:endParaRPr lang="en-US" dirty="0"/>
+          </a:p>
+        </p:txBody>
+      </p:sp>
+      <p:sp>
+        <p:nvSpPr>
+          <p:cNvPr id="3" name="Content Placeholder 2"/>
+          <p:cNvSpPr>
+            <a:spLocks noGrp="1"/>
+          </p:cNvSpPr>
+          <p:nvPr>
+            <p:ph idx="1"/>
+          </p:nvPr>
+        </p:nvSpPr>
+        <p:spPr/>
+        <p:txBody>
+          <a:bodyPr>
+            <a:normAutofit fontScale="92500"/>
+          </a:bodyPr>
+          <a:lstStyle/>
+          <a:p>
+            <a:r>
+              <a:rPr lang="en-US" dirty="0" smtClean="0"/>
+              <a:t>Bacterial - 454</a:t>
+            </a:r>
+          </a:p>
+          <a:p>
+            <a:r>
+              <a:rPr lang="en-US" dirty="0" smtClean="0"/>
+              <a:t>	some shotgun</a:t>
+            </a:r>
+          </a:p>
+          <a:p>
+            <a:r>
+              <a:rPr lang="en-US" dirty="0" smtClean="0"/>
+              <a:t>	8kb PE library</a:t>
+            </a:r>
+          </a:p>
+          <a:p>
+            <a:r>
+              <a:rPr lang="en-US" dirty="0" smtClean="0"/>
+              <a:t>	</a:t>
+            </a:r>
+            <a:r>
+              <a:rPr lang="en-US" dirty="0" err="1" smtClean="0">
+                <a:sym typeface="Wingdings"/>
+              </a:rPr>
+              <a:t></a:t>
+            </a:r>
+            <a:r>
+              <a:rPr lang="en-US" dirty="0" smtClean="0">
+                <a:sym typeface="Wingdings"/>
+              </a:rPr>
+              <a:t> should give 1 scaffold </a:t>
+            </a:r>
+            <a:r>
+              <a:rPr lang="en-US" smtClean="0">
+                <a:sym typeface="Wingdings"/>
+              </a:rPr>
+              <a:t>per chromosome</a:t>
+            </a:r>
+            <a:endParaRPr lang="en-US" smtClean="0"/>
+          </a:p>
+          <a:p>
+            <a:endParaRPr lang="en-US" dirty="0" smtClean="0"/>
+          </a:p>
+          <a:p>
+            <a:r>
+              <a:rPr lang="en-US" dirty="0" smtClean="0"/>
+              <a:t>Bacterial – </a:t>
+            </a:r>
+            <a:r>
+              <a:rPr lang="en-US" dirty="0" err="1" smtClean="0"/>
+              <a:t>Illumina</a:t>
+            </a:r>
+            <a:endParaRPr lang="en-US" dirty="0" smtClean="0"/>
+          </a:p>
+          <a:p>
+            <a:r>
+              <a:rPr lang="en-US" dirty="0" smtClean="0"/>
+              <a:t>	foundation of PE</a:t>
+            </a:r>
+          </a:p>
+          <a:p>
+            <a:r>
+              <a:rPr lang="en-US" dirty="0" smtClean="0"/>
+              <a:t>	the more mate pair libraries, the better</a:t>
+            </a:r>
+          </a:p>
+        </p:txBody>
+      </p:sp>
+    </p:spTree>
+  </p:cSld>
+  <p:clrMapOvr>
+    <a:masterClrMapping/>
+  </p:clrMapOvr>
+</p:sld>
+</file>
+
+<file path=ppt/slides/slide19.xml><?xml version="1.0" encoding="utf-8"?>
+<p:sld xmlns:a="http://schemas.openxmlformats.org/drawingml/2006/main" xmlns:r="http://schemas.openxmlformats.org/officeDocument/2006/relationships" xmlns:mc="http://schemas.openxmlformats.org/markup-compatibility/2006" xmlns:mv="urn:schemas-microsoft-com:mac:vml" xmlns:p="http://schemas.openxmlformats.org/presentationml/2006/main" mc:Ignorable="mv" mc:PreserveAttributes="mv:*">
+  <p:cSld>
+    <p:spTree>
+      <p:nvGrpSpPr>
+        <p:cNvPr id="1" name=""/>
+        <p:cNvGrpSpPr/>
+        <p:nvPr/>
+      </p:nvGrpSpPr>
+      <p:grpSpPr>
+        <a:xfrm>
+          <a:off x="0" y="0"/>
+          <a:ext cx="0" cy="0"/>
+          <a:chOff x="0" y="0"/>
+          <a:chExt cx="0" cy="0"/>
+        </a:xfrm>
+      </p:grpSpPr>
+      <p:sp>
+        <p:nvSpPr>
+          <p:cNvPr id="2" name="Title 1"/>
+          <p:cNvSpPr>
+            <a:spLocks noGrp="1"/>
+          </p:cNvSpPr>
+          <p:nvPr>
+            <p:ph type="title"/>
+          </p:nvPr>
+        </p:nvSpPr>
+        <p:spPr/>
+        <p:txBody>
+          <a:bodyPr/>
+          <a:lstStyle/>
+          <a:p>
+            <a:r>
+              <a:rPr lang="en-US" dirty="0" smtClean="0"/>
+              <a:t>How to sequence a genome</a:t>
+            </a:r>
+            <a:endParaRPr lang="en-US" dirty="0"/>
+          </a:p>
+        </p:txBody>
+      </p:sp>
+      <p:sp>
+        <p:nvSpPr>
+          <p:cNvPr id="3" name="Content Placeholder 2"/>
+          <p:cNvSpPr>
+            <a:spLocks noGrp="1"/>
+          </p:cNvSpPr>
+          <p:nvPr>
+            <p:ph idx="1"/>
+          </p:nvPr>
+        </p:nvSpPr>
+        <p:spPr/>
+        <p:txBody>
+          <a:bodyPr/>
+          <a:lstStyle/>
+          <a:p>
+            <a:r>
+              <a:rPr lang="en-US" dirty="0" smtClean="0"/>
+              <a:t>Eukaryote</a:t>
+            </a:r>
+          </a:p>
+          <a:p>
+            <a:r>
+              <a:rPr lang="en-US" dirty="0" smtClean="0"/>
+              <a:t>	Foundation of </a:t>
+            </a:r>
+            <a:r>
+              <a:rPr lang="en-US" dirty="0" err="1" smtClean="0"/>
+              <a:t>Illumina</a:t>
+            </a:r>
+            <a:r>
+              <a:rPr lang="en-US" dirty="0" smtClean="0"/>
+              <a:t> data</a:t>
+            </a:r>
+          </a:p>
+          <a:p>
+            <a:pPr lvl="2"/>
+            <a:r>
+              <a:rPr lang="en-US" dirty="0" smtClean="0"/>
+              <a:t>100x coverage Paired End reads (2x100bp)</a:t>
+            </a:r>
+          </a:p>
+          <a:p>
+            <a:pPr lvl="2"/>
+            <a:r>
+              <a:rPr lang="en-US" dirty="0" smtClean="0"/>
+              <a:t>several Mate Pair libraries</a:t>
+            </a:r>
+          </a:p>
+          <a:p>
+            <a:pPr lvl="3"/>
+            <a:r>
+              <a:rPr lang="en-US" dirty="0" smtClean="0"/>
+              <a:t>2kb, 3kb, 8k, 10kb, bigger?</a:t>
+            </a:r>
+          </a:p>
+          <a:p>
+            <a:pPr lvl="2"/>
+            <a:r>
+              <a:rPr lang="en-US" dirty="0" smtClean="0"/>
+              <a:t>this is now very cheap!</a:t>
+            </a:r>
+          </a:p>
+          <a:p>
+            <a:r>
+              <a:rPr lang="en-US" dirty="0" smtClean="0"/>
+              <a:t>	Fill gaps with long reads</a:t>
+            </a:r>
+          </a:p>
+          <a:p>
+            <a:pPr lvl="2"/>
+            <a:r>
+              <a:rPr lang="en-US" dirty="0" smtClean="0"/>
+              <a:t>454 or </a:t>
+            </a:r>
+            <a:r>
+              <a:rPr lang="en-US" dirty="0" err="1" smtClean="0"/>
+              <a:t>PacBio</a:t>
+            </a:r>
+            <a:endParaRPr lang="en-US" dirty="0"/>
+          </a:p>
+        </p:txBody>
+      </p:sp>
+      <p:pic>
+        <p:nvPicPr>
+          <p:cNvPr id="4" name="Picture 3"/>
+          <p:cNvPicPr>
+            <a:picLocks noChangeAspect="1"/>
+          </p:cNvPicPr>
+          <p:nvPr/>
+        </p:nvPicPr>
+        <p:blipFill>
+          <a:blip r:embed="rId2"/>
+          <a:stretch>
+            <a:fillRect/>
+          </a:stretch>
+        </p:blipFill>
+        <p:spPr>
+          <a:xfrm>
+            <a:off x="6532941" y="5157410"/>
+            <a:ext cx="2313918" cy="1700590"/>
+          </a:xfrm>
+          <a:prstGeom prst="rect">
+            <a:avLst/>
+          </a:prstGeom>
+        </p:spPr>
+      </p:pic>
+      <p:pic>
+        <p:nvPicPr>
+          <p:cNvPr id="5" name="Picture 4" descr="Illumina HiSeq 2000"/>
+          <p:cNvPicPr>
+            <a:picLocks noChangeAspect="1" noChangeArrowheads="1"/>
+          </p:cNvPicPr>
+          <p:nvPr/>
+        </p:nvPicPr>
+        <p:blipFill>
+          <a:blip r:embed="rId3" cstate="print"/>
+          <a:srcRect t="3152" r="2070" b="25194"/>
+          <a:stretch>
+            <a:fillRect/>
+          </a:stretch>
+        </p:blipFill>
+        <p:spPr bwMode="auto">
+          <a:xfrm>
+            <a:off x="6532941" y="3273448"/>
+            <a:ext cx="2153859" cy="1724628"/>
+          </a:xfrm>
+          <a:prstGeom prst="rect">
+            <a:avLst/>
+          </a:prstGeom>
+          <a:noFill/>
+        </p:spPr>
+      </p:pic>
+      <p:pic>
+        <p:nvPicPr>
+          <p:cNvPr id="6" name="Picture 5"/>
+          <p:cNvPicPr>
+            <a:picLocks noChangeAspect="1" noChangeArrowheads="1"/>
+          </p:cNvPicPr>
+          <p:nvPr/>
+        </p:nvPicPr>
+        <p:blipFill>
+          <a:blip r:embed="rId4" cstate="print"/>
+          <a:srcRect l="16091" t="7667" r="9458" b="8802"/>
+          <a:stretch>
+            <a:fillRect/>
+          </a:stretch>
+        </p:blipFill>
+        <p:spPr bwMode="auto">
+          <a:xfrm>
+            <a:off x="4185933" y="5158740"/>
+            <a:ext cx="1514558" cy="1699260"/>
+          </a:xfrm>
+          <a:prstGeom prst="rect">
+            <a:avLst/>
+          </a:prstGeom>
+          <a:noFill/>
+          <a:ln w="9525">
+            <a:noFill/>
+            <a:round/>
+            <a:headEnd/>
+            <a:tailEnd/>
+          </a:ln>
+          <a:effectLst/>
+        </p:spPr>
+      </p:pic>
+    </p:spTree>
+  </p:cSld>
+  <p:clrMapOvr>
+    <a:masterClrMapping/>
+  </p:clrMapOvr>
+  <p:timing>
+    <p:tnLst>
+      <p:par>
+        <p:cTn id="1" dur="indefinite" restart="never" nodeType="tmRoot"/>
+      </p:par>
+    </p:tnLst>
+  </p:timing>
+</p:sld>
+</file>
+
 <file path=ppt/slides/slide2.xml><?xml version="1.0" encoding="utf-8"?>
-<p:sld xmlns:a="http://schemas.openxmlformats.org/drawingml/2006/main" xmlns:r="http://schemas.openxmlformats.org/officeDocument/2006/relationships" xmlns:p="http://schemas.openxmlformats.org/presentationml/2006/main">
+<p:sld xmlns:a="http://schemas.openxmlformats.org/drawingml/2006/main" xmlns:r="http://schemas.openxmlformats.org/officeDocument/2006/relationships" xmlns:mc="http://schemas.openxmlformats.org/markup-compatibility/2006" xmlns:mv="urn:schemas-microsoft-com:mac:vml" xmlns:p="http://schemas.openxmlformats.org/presentationml/2006/main" mc:Ignorable="mv" mc:PreserveAttributes="mv:*">
   <p:cSld>
     <p:spTree>
       <p:nvGrpSpPr>
@@ -4190,8 +4637,150 @@
 </p:sld>
 </file>
 
+<file path=ppt/slides/slide20.xml><?xml version="1.0" encoding="utf-8"?>
+<p:sld xmlns:a="http://schemas.openxmlformats.org/drawingml/2006/main" xmlns:r="http://schemas.openxmlformats.org/officeDocument/2006/relationships" xmlns:mc="http://schemas.openxmlformats.org/markup-compatibility/2006" xmlns:mv="urn:schemas-microsoft-com:mac:vml" xmlns:p="http://schemas.openxmlformats.org/presentationml/2006/main" mc:Ignorable="mv" mc:PreserveAttributes="mv:*">
+  <p:cSld>
+    <p:spTree>
+      <p:nvGrpSpPr>
+        <p:cNvPr id="1" name=""/>
+        <p:cNvGrpSpPr/>
+        <p:nvPr/>
+      </p:nvGrpSpPr>
+      <p:grpSpPr>
+        <a:xfrm>
+          <a:off x="0" y="0"/>
+          <a:ext cx="0" cy="0"/>
+          <a:chOff x="0" y="0"/>
+          <a:chExt cx="0" cy="0"/>
+        </a:xfrm>
+      </p:grpSpPr>
+      <p:sp>
+        <p:nvSpPr>
+          <p:cNvPr id="2" name="Title 1"/>
+          <p:cNvSpPr>
+            <a:spLocks noGrp="1"/>
+          </p:cNvSpPr>
+          <p:nvPr>
+            <p:ph type="title"/>
+          </p:nvPr>
+        </p:nvSpPr>
+        <p:spPr/>
+        <p:txBody>
+          <a:bodyPr/>
+          <a:lstStyle/>
+          <a:p>
+            <a:r>
+              <a:rPr lang="en-US" dirty="0" smtClean="0"/>
+              <a:t>How to sequence a genome</a:t>
+            </a:r>
+            <a:endParaRPr lang="en-US" dirty="0"/>
+          </a:p>
+        </p:txBody>
+      </p:sp>
+      <p:sp>
+        <p:nvSpPr>
+          <p:cNvPr id="3" name="Content Placeholder 2"/>
+          <p:cNvSpPr>
+            <a:spLocks noGrp="1"/>
+          </p:cNvSpPr>
+          <p:nvPr>
+            <p:ph idx="1"/>
+          </p:nvPr>
+        </p:nvSpPr>
+        <p:spPr/>
+        <p:txBody>
+          <a:bodyPr/>
+          <a:lstStyle/>
+          <a:p>
+            <a:pPr algn="ctr"/>
+            <a:r>
+              <a:rPr lang="en-US" dirty="0" smtClean="0"/>
+              <a:t>Add lots of bioinformatics...</a:t>
+            </a:r>
+            <a:endParaRPr lang="en-US" dirty="0"/>
+          </a:p>
+        </p:txBody>
+      </p:sp>
+      <p:pic>
+        <p:nvPicPr>
+          <p:cNvPr id="4" name="Picture 3"/>
+          <p:cNvPicPr>
+            <a:picLocks noChangeAspect="1"/>
+          </p:cNvPicPr>
+          <p:nvPr/>
+        </p:nvPicPr>
+        <p:blipFill>
+          <a:blip r:embed="rId2"/>
+          <a:stretch>
+            <a:fillRect/>
+          </a:stretch>
+        </p:blipFill>
+        <p:spPr>
+          <a:xfrm>
+            <a:off x="2349500" y="2316163"/>
+            <a:ext cx="4445000" cy="3810000"/>
+          </a:xfrm>
+          <a:prstGeom prst="rect">
+            <a:avLst/>
+          </a:prstGeom>
+        </p:spPr>
+      </p:pic>
+      <p:sp>
+        <p:nvSpPr>
+          <p:cNvPr id="5" name="TextBox 4"/>
+          <p:cNvSpPr txBox="1"/>
+          <p:nvPr/>
+        </p:nvSpPr>
+        <p:spPr>
+          <a:xfrm>
+            <a:off x="1893297" y="6488668"/>
+            <a:ext cx="7250703" cy="369332"/>
+          </a:xfrm>
+          <a:prstGeom prst="rect">
+            <a:avLst/>
+          </a:prstGeom>
+          <a:noFill/>
+        </p:spPr>
+        <p:txBody>
+          <a:bodyPr wrap="none" rtlCol="0">
+            <a:spAutoFit/>
+          </a:bodyPr>
+          <a:lstStyle/>
+          <a:p>
+            <a:pPr algn="r"/>
+            <a:r>
+              <a:rPr lang="en-US" dirty="0" smtClean="0"/>
+              <a:t>http://</a:t>
+            </a:r>
+            <a:r>
+              <a:rPr lang="en-US" dirty="0" err="1" smtClean="0"/>
+              <a:t>cores.montana.edu/index.php?page</a:t>
+            </a:r>
+            <a:r>
+              <a:rPr lang="en-US" dirty="0" smtClean="0"/>
+              <a:t>=bioinformatics-core-facility</a:t>
+            </a:r>
+            <a:endParaRPr lang="en-US" dirty="0"/>
+          </a:p>
+        </p:txBody>
+      </p:sp>
+    </p:spTree>
+  </p:cSld>
+  <p:clrMapOvr>
+    <a:masterClrMapping/>
+  </p:clrMapOvr>
+  <p:timing>
+    <p:tnLst>
+      <p:par>
+        <p:cTn id="1" dur="indefinite" restart="never" nodeType="tmRoot"/>
+      </p:par>
+    </p:tnLst>
+  </p:timing>
+</p:sld>
+</file>
+
 <file path=ppt/slides/slide3.xml><?xml version="1.0" encoding="utf-8"?>
-<p:sld xmlns:a="http://schemas.openxmlformats.org/drawingml/2006/main" xmlns:r="http://schemas.openxmlformats.org/officeDocument/2006/relationships" xmlns:p="http://schemas.openxmlformats.org/presentationml/2006/main">
+<p:sld xmlns:a="http://schemas.openxmlformats.org/drawingml/2006/main" xmlns:r="http://schemas.openxmlformats.org/officeDocument/2006/relationships" xmlns:mc="http://schemas.openxmlformats.org/markup-compatibility/2006" xmlns:mv="urn:schemas-microsoft-com:mac:vml" xmlns:p="http://schemas.openxmlformats.org/presentationml/2006/main" mc:Ignorable="mv" mc:PreserveAttributes="mv:*">
   <p:cSld>
     <p:spTree>
       <p:nvGrpSpPr>
@@ -4335,7 +4924,7 @@
 </file>
 
 <file path=ppt/slides/slide4.xml><?xml version="1.0" encoding="utf-8"?>
-<p:sld xmlns:a="http://schemas.openxmlformats.org/drawingml/2006/main" xmlns:r="http://schemas.openxmlformats.org/officeDocument/2006/relationships" xmlns:p="http://schemas.openxmlformats.org/presentationml/2006/main">
+<p:sld xmlns:a="http://schemas.openxmlformats.org/drawingml/2006/main" xmlns:r="http://schemas.openxmlformats.org/officeDocument/2006/relationships" xmlns:mc="http://schemas.openxmlformats.org/markup-compatibility/2006" xmlns:mv="urn:schemas-microsoft-com:mac:vml" xmlns:p="http://schemas.openxmlformats.org/presentationml/2006/main" mc:Ignorable="mv" mc:PreserveAttributes="mv:*">
   <p:cSld>
     <p:spTree>
       <p:nvGrpSpPr>
@@ -4388,7 +4977,7 @@
 </file>
 
 <file path=ppt/slides/slide5.xml><?xml version="1.0" encoding="utf-8"?>
-<p:sld xmlns:a="http://schemas.openxmlformats.org/drawingml/2006/main" xmlns:r="http://schemas.openxmlformats.org/officeDocument/2006/relationships" xmlns:p="http://schemas.openxmlformats.org/presentationml/2006/main">
+<p:sld xmlns:a="http://schemas.openxmlformats.org/drawingml/2006/main" xmlns:r="http://schemas.openxmlformats.org/officeDocument/2006/relationships" xmlns:mc="http://schemas.openxmlformats.org/markup-compatibility/2006" xmlns:mv="urn:schemas-microsoft-com:mac:vml" xmlns:p="http://schemas.openxmlformats.org/presentationml/2006/main" mc:Ignorable="mv" mc:PreserveAttributes="mv:*">
   <p:cSld>
     <p:spTree>
       <p:nvGrpSpPr>
@@ -4416,7 +5005,9 @@
         </p:nvSpPr>
         <p:spPr/>
         <p:txBody>
-          <a:bodyPr/>
+          <a:bodyPr>
+            <a:normAutofit fontScale="90000"/>
+          </a:bodyPr>
           <a:lstStyle/>
           <a:p>
             <a:r>
@@ -4556,7 +5147,7 @@
 </file>
 
 <file path=ppt/slides/slide6.xml><?xml version="1.0" encoding="utf-8"?>
-<p:sld xmlns:a="http://schemas.openxmlformats.org/drawingml/2006/main" xmlns:r="http://schemas.openxmlformats.org/officeDocument/2006/relationships" xmlns:p="http://schemas.openxmlformats.org/presentationml/2006/main">
+<p:sld xmlns:a="http://schemas.openxmlformats.org/drawingml/2006/main" xmlns:r="http://schemas.openxmlformats.org/officeDocument/2006/relationships" xmlns:mc="http://schemas.openxmlformats.org/markup-compatibility/2006" xmlns:mv="urn:schemas-microsoft-com:mac:vml" xmlns:p="http://schemas.openxmlformats.org/presentationml/2006/main" mc:Ignorable="mv" mc:PreserveAttributes="mv:*">
   <p:cSld>
     <p:spTree>
       <p:nvGrpSpPr>
@@ -4668,7 +5259,7 @@
 </file>
 
 <file path=ppt/slides/slide7.xml><?xml version="1.0" encoding="utf-8"?>
-<p:sld xmlns:a="http://schemas.openxmlformats.org/drawingml/2006/main" xmlns:r="http://schemas.openxmlformats.org/officeDocument/2006/relationships" xmlns:p="http://schemas.openxmlformats.org/presentationml/2006/main">
+<p:sld xmlns:a="http://schemas.openxmlformats.org/drawingml/2006/main" xmlns:r="http://schemas.openxmlformats.org/officeDocument/2006/relationships" xmlns:mc="http://schemas.openxmlformats.org/markup-compatibility/2006" xmlns:mv="urn:schemas-microsoft-com:mac:vml" xmlns:p="http://schemas.openxmlformats.org/presentationml/2006/main" mc:Ignorable="mv" mc:PreserveAttributes="mv:*">
   <p:cSld>
     <p:spTree>
       <p:nvGrpSpPr>
@@ -5131,7 +5722,7 @@
 </file>
 
 <file path=ppt/slides/slide8.xml><?xml version="1.0" encoding="utf-8"?>
-<p:sld xmlns:a="http://schemas.openxmlformats.org/drawingml/2006/main" xmlns:r="http://schemas.openxmlformats.org/officeDocument/2006/relationships" xmlns:p="http://schemas.openxmlformats.org/presentationml/2006/main">
+<p:sld xmlns:a="http://schemas.openxmlformats.org/drawingml/2006/main" xmlns:r="http://schemas.openxmlformats.org/officeDocument/2006/relationships" xmlns:mc="http://schemas.openxmlformats.org/markup-compatibility/2006" xmlns:mv="urn:schemas-microsoft-com:mac:vml" xmlns:p="http://schemas.openxmlformats.org/presentationml/2006/main" mc:Ignorable="mv" mc:PreserveAttributes="mv:*">
   <p:cSld>
     <p:spTree>
       <p:nvGrpSpPr>
@@ -5284,7 +5875,7 @@
 </file>
 
 <file path=ppt/slides/slide9.xml><?xml version="1.0" encoding="utf-8"?>
-<p:sld xmlns:a="http://schemas.openxmlformats.org/drawingml/2006/main" xmlns:r="http://schemas.openxmlformats.org/officeDocument/2006/relationships" xmlns:p="http://schemas.openxmlformats.org/presentationml/2006/main">
+<p:sld xmlns:a="http://schemas.openxmlformats.org/drawingml/2006/main" xmlns:r="http://schemas.openxmlformats.org/officeDocument/2006/relationships" xmlns:mc="http://schemas.openxmlformats.org/markup-compatibility/2006" xmlns:mv="urn:schemas-microsoft-com:mac:vml" xmlns:p="http://schemas.openxmlformats.org/presentationml/2006/main" mc:Ignorable="mv" mc:PreserveAttributes="mv:*">
   <p:cSld>
     <p:spTree>
       <p:nvGrpSpPr>

--- a/presentations/Lecture_2_Planning_a_Sequencing_Experiment.pptx
+++ b/presentations/Lecture_2_Planning_a_Sequencing_Experiment.pptx
@@ -1,6 +1,6 @@
 
 <file path=ppt/presentation.xml><?xml version="1.0" encoding="utf-8"?>
-<p:presentation xmlns:a="http://schemas.openxmlformats.org/drawingml/2006/main" xmlns:r="http://schemas.openxmlformats.org/officeDocument/2006/relationships" xmlns:mc="http://schemas.openxmlformats.org/markup-compatibility/2006" xmlns:mv="urn:schemas-microsoft-com:mac:vml" xmlns:p="http://schemas.openxmlformats.org/presentationml/2006/main" mc:Ignorable="mv" mc:PreserveAttributes="mv:*" saveSubsetFonts="1">
+<p:presentation xmlns:a="http://schemas.openxmlformats.org/drawingml/2006/main" xmlns:r="http://schemas.openxmlformats.org/officeDocument/2006/relationships" xmlns:p="http://schemas.openxmlformats.org/presentationml/2006/main" saveSubsetFonts="1">
   <p:sldMasterIdLst>
     <p:sldMasterId id="2147483648" r:id="rId1"/>
   </p:sldMasterIdLst>
@@ -127,7 +127,7 @@
 </file>
 
 <file path=ppt/slideLayouts/slideLayout1.xml><?xml version="1.0" encoding="utf-8"?>
-<p:sldLayout xmlns:a="http://schemas.openxmlformats.org/drawingml/2006/main" xmlns:r="http://schemas.openxmlformats.org/officeDocument/2006/relationships" xmlns:mc="http://schemas.openxmlformats.org/markup-compatibility/2006" xmlns:mv="urn:schemas-microsoft-com:mac:vml" xmlns:p="http://schemas.openxmlformats.org/presentationml/2006/main" mc:Ignorable="mv" mc:PreserveAttributes="mv:*" type="title" preserve="1">
+<p:sldLayout xmlns:a="http://schemas.openxmlformats.org/drawingml/2006/main" xmlns:r="http://schemas.openxmlformats.org/officeDocument/2006/relationships" xmlns:p="http://schemas.openxmlformats.org/presentationml/2006/main" type="title" preserve="1">
   <p:cSld name="Title Slide">
     <p:spTree>
       <p:nvGrpSpPr>
@@ -308,7 +308,7 @@
             <a:fld id="{ED21D0F6-FB88-41C0-8574-15FBB0F27DE1}" type="datetimeFigureOut">
               <a:rPr lang="en-GB" smtClean="0"/>
               <a:pPr/>
-              <a:t>10/24/11</a:t>
+              <a:t>26/10/2011</a:t>
             </a:fld>
             <a:endParaRPr lang="en-GB"/>
           </a:p>
@@ -366,7 +366,7 @@
 </file>
 
 <file path=ppt/slideLayouts/slideLayout10.xml><?xml version="1.0" encoding="utf-8"?>
-<p:sldLayout xmlns:a="http://schemas.openxmlformats.org/drawingml/2006/main" xmlns:r="http://schemas.openxmlformats.org/officeDocument/2006/relationships" xmlns:mc="http://schemas.openxmlformats.org/markup-compatibility/2006" xmlns:mv="urn:schemas-microsoft-com:mac:vml" xmlns:p="http://schemas.openxmlformats.org/presentationml/2006/main" mc:Ignorable="mv" mc:PreserveAttributes="mv:*" type="vertTx" preserve="1">
+<p:sldLayout xmlns:a="http://schemas.openxmlformats.org/drawingml/2006/main" xmlns:r="http://schemas.openxmlformats.org/officeDocument/2006/relationships" xmlns:p="http://schemas.openxmlformats.org/presentationml/2006/main" type="vertTx" preserve="1">
   <p:cSld name="Title and Vertical Text">
     <p:spTree>
       <p:nvGrpSpPr>
@@ -475,7 +475,7 @@
             <a:fld id="{ED21D0F6-FB88-41C0-8574-15FBB0F27DE1}" type="datetimeFigureOut">
               <a:rPr lang="en-GB" smtClean="0"/>
               <a:pPr/>
-              <a:t>10/24/11</a:t>
+              <a:t>26/10/2011</a:t>
             </a:fld>
             <a:endParaRPr lang="en-GB"/>
           </a:p>
@@ -533,7 +533,7 @@
 </file>
 
 <file path=ppt/slideLayouts/slideLayout11.xml><?xml version="1.0" encoding="utf-8"?>
-<p:sldLayout xmlns:a="http://schemas.openxmlformats.org/drawingml/2006/main" xmlns:r="http://schemas.openxmlformats.org/officeDocument/2006/relationships" xmlns:mc="http://schemas.openxmlformats.org/markup-compatibility/2006" xmlns:mv="urn:schemas-microsoft-com:mac:vml" xmlns:p="http://schemas.openxmlformats.org/presentationml/2006/main" mc:Ignorable="mv" mc:PreserveAttributes="mv:*" type="vertTitleAndTx" preserve="1">
+<p:sldLayout xmlns:a="http://schemas.openxmlformats.org/drawingml/2006/main" xmlns:r="http://schemas.openxmlformats.org/officeDocument/2006/relationships" xmlns:p="http://schemas.openxmlformats.org/presentationml/2006/main" type="vertTitleAndTx" preserve="1">
   <p:cSld name="Vertical Title and Text">
     <p:spTree>
       <p:nvGrpSpPr>
@@ -652,7 +652,7 @@
             <a:fld id="{ED21D0F6-FB88-41C0-8574-15FBB0F27DE1}" type="datetimeFigureOut">
               <a:rPr lang="en-GB" smtClean="0"/>
               <a:pPr/>
-              <a:t>10/24/11</a:t>
+              <a:t>26/10/2011</a:t>
             </a:fld>
             <a:endParaRPr lang="en-GB"/>
           </a:p>
@@ -710,7 +710,7 @@
 </file>
 
 <file path=ppt/slideLayouts/slideLayout2.xml><?xml version="1.0" encoding="utf-8"?>
-<p:sldLayout xmlns:a="http://schemas.openxmlformats.org/drawingml/2006/main" xmlns:r="http://schemas.openxmlformats.org/officeDocument/2006/relationships" xmlns:mc="http://schemas.openxmlformats.org/markup-compatibility/2006" xmlns:mv="urn:schemas-microsoft-com:mac:vml" xmlns:p="http://schemas.openxmlformats.org/presentationml/2006/main" mc:Ignorable="mv" mc:PreserveAttributes="mv:*" type="obj" preserve="1">
+<p:sldLayout xmlns:a="http://schemas.openxmlformats.org/drawingml/2006/main" xmlns:r="http://schemas.openxmlformats.org/officeDocument/2006/relationships" xmlns:p="http://schemas.openxmlformats.org/presentationml/2006/main" type="obj" preserve="1">
   <p:cSld name="Title and Content">
     <p:spTree>
       <p:nvGrpSpPr>
@@ -819,7 +819,7 @@
             <a:fld id="{ED21D0F6-FB88-41C0-8574-15FBB0F27DE1}" type="datetimeFigureOut">
               <a:rPr lang="en-GB" smtClean="0"/>
               <a:pPr/>
-              <a:t>10/24/11</a:t>
+              <a:t>26/10/2011</a:t>
             </a:fld>
             <a:endParaRPr lang="en-GB"/>
           </a:p>
@@ -877,7 +877,7 @@
 </file>
 
 <file path=ppt/slideLayouts/slideLayout3.xml><?xml version="1.0" encoding="utf-8"?>
-<p:sldLayout xmlns:a="http://schemas.openxmlformats.org/drawingml/2006/main" xmlns:r="http://schemas.openxmlformats.org/officeDocument/2006/relationships" xmlns:mc="http://schemas.openxmlformats.org/markup-compatibility/2006" xmlns:mv="urn:schemas-microsoft-com:mac:vml" xmlns:p="http://schemas.openxmlformats.org/presentationml/2006/main" mc:Ignorable="mv" mc:PreserveAttributes="mv:*" type="secHead" preserve="1">
+<p:sldLayout xmlns:a="http://schemas.openxmlformats.org/drawingml/2006/main" xmlns:r="http://schemas.openxmlformats.org/officeDocument/2006/relationships" xmlns:p="http://schemas.openxmlformats.org/presentationml/2006/main" type="secHead" preserve="1">
   <p:cSld name="Section Header">
     <p:spTree>
       <p:nvGrpSpPr>
@@ -1062,7 +1062,7 @@
             <a:fld id="{ED21D0F6-FB88-41C0-8574-15FBB0F27DE1}" type="datetimeFigureOut">
               <a:rPr lang="en-GB" smtClean="0"/>
               <a:pPr/>
-              <a:t>10/24/11</a:t>
+              <a:t>26/10/2011</a:t>
             </a:fld>
             <a:endParaRPr lang="en-GB"/>
           </a:p>
@@ -1120,7 +1120,7 @@
 </file>
 
 <file path=ppt/slideLayouts/slideLayout4.xml><?xml version="1.0" encoding="utf-8"?>
-<p:sldLayout xmlns:a="http://schemas.openxmlformats.org/drawingml/2006/main" xmlns:r="http://schemas.openxmlformats.org/officeDocument/2006/relationships" xmlns:mc="http://schemas.openxmlformats.org/markup-compatibility/2006" xmlns:mv="urn:schemas-microsoft-com:mac:vml" xmlns:p="http://schemas.openxmlformats.org/presentationml/2006/main" mc:Ignorable="mv" mc:PreserveAttributes="mv:*" type="twoObj" preserve="1">
+<p:sldLayout xmlns:a="http://schemas.openxmlformats.org/drawingml/2006/main" xmlns:r="http://schemas.openxmlformats.org/officeDocument/2006/relationships" xmlns:p="http://schemas.openxmlformats.org/presentationml/2006/main" type="twoObj" preserve="1">
   <p:cSld name="Two Content">
     <p:spTree>
       <p:nvGrpSpPr>
@@ -1347,7 +1347,7 @@
             <a:fld id="{ED21D0F6-FB88-41C0-8574-15FBB0F27DE1}" type="datetimeFigureOut">
               <a:rPr lang="en-GB" smtClean="0"/>
               <a:pPr/>
-              <a:t>10/24/11</a:t>
+              <a:t>26/10/2011</a:t>
             </a:fld>
             <a:endParaRPr lang="en-GB"/>
           </a:p>
@@ -1405,7 +1405,7 @@
 </file>
 
 <file path=ppt/slideLayouts/slideLayout5.xml><?xml version="1.0" encoding="utf-8"?>
-<p:sldLayout xmlns:a="http://schemas.openxmlformats.org/drawingml/2006/main" xmlns:r="http://schemas.openxmlformats.org/officeDocument/2006/relationships" xmlns:mc="http://schemas.openxmlformats.org/markup-compatibility/2006" xmlns:mv="urn:schemas-microsoft-com:mac:vml" xmlns:p="http://schemas.openxmlformats.org/presentationml/2006/main" mc:Ignorable="mv" mc:PreserveAttributes="mv:*" type="twoTxTwoObj" preserve="1">
+<p:sldLayout xmlns:a="http://schemas.openxmlformats.org/drawingml/2006/main" xmlns:r="http://schemas.openxmlformats.org/officeDocument/2006/relationships" xmlns:p="http://schemas.openxmlformats.org/presentationml/2006/main" type="twoTxTwoObj" preserve="1">
   <p:cSld name="Comparison">
     <p:spTree>
       <p:nvGrpSpPr>
@@ -1766,7 +1766,7 @@
             <a:fld id="{ED21D0F6-FB88-41C0-8574-15FBB0F27DE1}" type="datetimeFigureOut">
               <a:rPr lang="en-GB" smtClean="0"/>
               <a:pPr/>
-              <a:t>10/24/11</a:t>
+              <a:t>26/10/2011</a:t>
             </a:fld>
             <a:endParaRPr lang="en-GB"/>
           </a:p>
@@ -1824,7 +1824,7 @@
 </file>
 
 <file path=ppt/slideLayouts/slideLayout6.xml><?xml version="1.0" encoding="utf-8"?>
-<p:sldLayout xmlns:a="http://schemas.openxmlformats.org/drawingml/2006/main" xmlns:r="http://schemas.openxmlformats.org/officeDocument/2006/relationships" xmlns:mc="http://schemas.openxmlformats.org/markup-compatibility/2006" xmlns:mv="urn:schemas-microsoft-com:mac:vml" xmlns:p="http://schemas.openxmlformats.org/presentationml/2006/main" mc:Ignorable="mv" mc:PreserveAttributes="mv:*" type="titleOnly" preserve="1">
+<p:sldLayout xmlns:a="http://schemas.openxmlformats.org/drawingml/2006/main" xmlns:r="http://schemas.openxmlformats.org/officeDocument/2006/relationships" xmlns:p="http://schemas.openxmlformats.org/presentationml/2006/main" type="titleOnly" preserve="1">
   <p:cSld name="Title Only">
     <p:spTree>
       <p:nvGrpSpPr>
@@ -1881,7 +1881,7 @@
             <a:fld id="{ED21D0F6-FB88-41C0-8574-15FBB0F27DE1}" type="datetimeFigureOut">
               <a:rPr lang="en-GB" smtClean="0"/>
               <a:pPr/>
-              <a:t>10/24/11</a:t>
+              <a:t>26/10/2011</a:t>
             </a:fld>
             <a:endParaRPr lang="en-GB"/>
           </a:p>
@@ -1939,7 +1939,7 @@
 </file>
 
 <file path=ppt/slideLayouts/slideLayout7.xml><?xml version="1.0" encoding="utf-8"?>
-<p:sldLayout xmlns:a="http://schemas.openxmlformats.org/drawingml/2006/main" xmlns:r="http://schemas.openxmlformats.org/officeDocument/2006/relationships" xmlns:mc="http://schemas.openxmlformats.org/markup-compatibility/2006" xmlns:mv="urn:schemas-microsoft-com:mac:vml" xmlns:p="http://schemas.openxmlformats.org/presentationml/2006/main" mc:Ignorable="mv" mc:PreserveAttributes="mv:*" type="blank" preserve="1">
+<p:sldLayout xmlns:a="http://schemas.openxmlformats.org/drawingml/2006/main" xmlns:r="http://schemas.openxmlformats.org/officeDocument/2006/relationships" xmlns:p="http://schemas.openxmlformats.org/presentationml/2006/main" type="blank" preserve="1">
   <p:cSld name="Blank">
     <p:spTree>
       <p:nvGrpSpPr>
@@ -1973,7 +1973,7 @@
             <a:fld id="{ED21D0F6-FB88-41C0-8574-15FBB0F27DE1}" type="datetimeFigureOut">
               <a:rPr lang="en-GB" smtClean="0"/>
               <a:pPr/>
-              <a:t>10/24/11</a:t>
+              <a:t>26/10/2011</a:t>
             </a:fld>
             <a:endParaRPr lang="en-GB"/>
           </a:p>
@@ -2031,7 +2031,7 @@
 </file>
 
 <file path=ppt/slideLayouts/slideLayout8.xml><?xml version="1.0" encoding="utf-8"?>
-<p:sldLayout xmlns:a="http://schemas.openxmlformats.org/drawingml/2006/main" xmlns:r="http://schemas.openxmlformats.org/officeDocument/2006/relationships" xmlns:mc="http://schemas.openxmlformats.org/markup-compatibility/2006" xmlns:mv="urn:schemas-microsoft-com:mac:vml" xmlns:p="http://schemas.openxmlformats.org/presentationml/2006/main" mc:Ignorable="mv" mc:PreserveAttributes="mv:*" type="objTx" preserve="1">
+<p:sldLayout xmlns:a="http://schemas.openxmlformats.org/drawingml/2006/main" xmlns:r="http://schemas.openxmlformats.org/officeDocument/2006/relationships" xmlns:p="http://schemas.openxmlformats.org/presentationml/2006/main" type="objTx" preserve="1">
   <p:cSld name="Content with Caption">
     <p:spTree>
       <p:nvGrpSpPr>
@@ -2247,7 +2247,7 @@
             <a:fld id="{ED21D0F6-FB88-41C0-8574-15FBB0F27DE1}" type="datetimeFigureOut">
               <a:rPr lang="en-GB" smtClean="0"/>
               <a:pPr/>
-              <a:t>10/24/11</a:t>
+              <a:t>26/10/2011</a:t>
             </a:fld>
             <a:endParaRPr lang="en-GB"/>
           </a:p>
@@ -2305,7 +2305,7 @@
 </file>
 
 <file path=ppt/slideLayouts/slideLayout9.xml><?xml version="1.0" encoding="utf-8"?>
-<p:sldLayout xmlns:a="http://schemas.openxmlformats.org/drawingml/2006/main" xmlns:r="http://schemas.openxmlformats.org/officeDocument/2006/relationships" xmlns:mc="http://schemas.openxmlformats.org/markup-compatibility/2006" xmlns:mv="urn:schemas-microsoft-com:mac:vml" xmlns:p="http://schemas.openxmlformats.org/presentationml/2006/main" mc:Ignorable="mv" mc:PreserveAttributes="mv:*" type="picTx" preserve="1">
+<p:sldLayout xmlns:a="http://schemas.openxmlformats.org/drawingml/2006/main" xmlns:r="http://schemas.openxmlformats.org/officeDocument/2006/relationships" xmlns:p="http://schemas.openxmlformats.org/presentationml/2006/main" type="picTx" preserve="1">
   <p:cSld name="Picture with Caption">
     <p:spTree>
       <p:nvGrpSpPr>
@@ -2497,7 +2497,7 @@
             <a:fld id="{ED21D0F6-FB88-41C0-8574-15FBB0F27DE1}" type="datetimeFigureOut">
               <a:rPr lang="en-GB" smtClean="0"/>
               <a:pPr/>
-              <a:t>10/24/11</a:t>
+              <a:t>26/10/2011</a:t>
             </a:fld>
             <a:endParaRPr lang="en-GB"/>
           </a:p>
@@ -2555,7 +2555,7 @@
 </file>
 
 <file path=ppt/slideMasters/slideMaster1.xml><?xml version="1.0" encoding="utf-8"?>
-<p:sldMaster xmlns:a="http://schemas.openxmlformats.org/drawingml/2006/main" xmlns:r="http://schemas.openxmlformats.org/officeDocument/2006/relationships" xmlns:mc="http://schemas.openxmlformats.org/markup-compatibility/2006" xmlns:mv="urn:schemas-microsoft-com:mac:vml" xmlns:p="http://schemas.openxmlformats.org/presentationml/2006/main" mc:Ignorable="mv" mc:PreserveAttributes="mv:*">
+<p:sldMaster xmlns:a="http://schemas.openxmlformats.org/drawingml/2006/main" xmlns:r="http://schemas.openxmlformats.org/officeDocument/2006/relationships" xmlns:p="http://schemas.openxmlformats.org/presentationml/2006/main">
   <p:cSld>
     <p:bg>
       <p:bgRef idx="1001">
@@ -2707,7 +2707,7 @@
             <a:fld id="{ED21D0F6-FB88-41C0-8574-15FBB0F27DE1}" type="datetimeFigureOut">
               <a:rPr lang="en-GB" smtClean="0"/>
               <a:pPr/>
-              <a:t>10/24/11</a:t>
+              <a:t>26/10/2011</a:t>
             </a:fld>
             <a:endParaRPr lang="en-GB"/>
           </a:p>
@@ -3062,7 +3062,7 @@
 </file>
 
 <file path=ppt/slides/slide1.xml><?xml version="1.0" encoding="utf-8"?>
-<p:sld xmlns:a="http://schemas.openxmlformats.org/drawingml/2006/main" xmlns:r="http://schemas.openxmlformats.org/officeDocument/2006/relationships" xmlns:mc="http://schemas.openxmlformats.org/markup-compatibility/2006" xmlns:mv="urn:schemas-microsoft-com:mac:vml" xmlns:p="http://schemas.openxmlformats.org/presentationml/2006/main" mc:Ignorable="mv" mc:PreserveAttributes="mv:*">
+<p:sld xmlns:a="http://schemas.openxmlformats.org/drawingml/2006/main" xmlns:r="http://schemas.openxmlformats.org/officeDocument/2006/relationships" xmlns:p="http://schemas.openxmlformats.org/presentationml/2006/main">
   <p:cSld>
     <p:spTree>
       <p:nvGrpSpPr>
@@ -3144,7 +3144,7 @@
           <p:nvPr/>
         </p:nvPicPr>
         <p:blipFill>
-          <a:blip r:embed="rId2">
+          <a:blip r:embed="rId2" cstate="print">
             <a:clrChange>
               <a:clrFrom>
                 <a:srgbClr val="FFFFFF"/>
@@ -3187,7 +3187,7 @@
           <p:nvPr/>
         </p:nvPicPr>
         <p:blipFill>
-          <a:blip r:embed="rId3"/>
+          <a:blip r:embed="rId3" cstate="print"/>
           <a:stretch>
             <a:fillRect/>
           </a:stretch>
@@ -3211,7 +3211,7 @@
           <p:nvPr/>
         </p:nvPicPr>
         <p:blipFill>
-          <a:blip r:embed="rId4"/>
+          <a:blip r:embed="rId4" cstate="print"/>
           <a:stretch>
             <a:fillRect/>
           </a:stretch>
@@ -3235,7 +3235,7 @@
 </file>
 
 <file path=ppt/slides/slide10.xml><?xml version="1.0" encoding="utf-8"?>
-<p:sld xmlns:a="http://schemas.openxmlformats.org/drawingml/2006/main" xmlns:r="http://schemas.openxmlformats.org/officeDocument/2006/relationships" xmlns:mc="http://schemas.openxmlformats.org/markup-compatibility/2006" xmlns:mv="urn:schemas-microsoft-com:mac:vml" xmlns:p="http://schemas.openxmlformats.org/presentationml/2006/main" mc:Ignorable="mv" mc:PreserveAttributes="mv:*">
+<p:sld xmlns:a="http://schemas.openxmlformats.org/drawingml/2006/main" xmlns:r="http://schemas.openxmlformats.org/officeDocument/2006/relationships" xmlns:p="http://schemas.openxmlformats.org/presentationml/2006/main">
   <p:cSld>
     <p:spTree>
       <p:nvGrpSpPr>
@@ -3270,7 +3270,11 @@
           <a:p>
             <a:r>
               <a:rPr lang="en-GB" dirty="0" smtClean="0"/>
-              <a:t>Choosing a technology</a:t>
+              <a:t>Choosing technolog</a:t>
+            </a:r>
+            <a:r>
+              <a:rPr lang="en-GB" b="1" dirty="0" smtClean="0"/>
+              <a:t>ies</a:t>
             </a:r>
             <a:endParaRPr lang="en-GB" dirty="0"/>
           </a:p>
@@ -3297,6 +3301,13 @@
               <a:rPr lang="en-GB" dirty="0" smtClean="0"/>
               <a:t>Strengths/weaknesses</a:t>
             </a:r>
+          </a:p>
+          <a:p>
+            <a:r>
+              <a:rPr lang="en-GB" dirty="0" smtClean="0"/>
+              <a:t>“Cut your cloth to suit your purse”</a:t>
+            </a:r>
+            <a:endParaRPr lang="en-GB" dirty="0" smtClean="0"/>
           </a:p>
           <a:p>
             <a:endParaRPr lang="en-GB" dirty="0" smtClean="0"/>
@@ -3356,7 +3367,7 @@
 </file>
 
 <file path=ppt/slides/slide11.xml><?xml version="1.0" encoding="utf-8"?>
-<p:sld xmlns:a="http://schemas.openxmlformats.org/drawingml/2006/main" xmlns:r="http://schemas.openxmlformats.org/officeDocument/2006/relationships" xmlns:mc="http://schemas.openxmlformats.org/markup-compatibility/2006" xmlns:mv="urn:schemas-microsoft-com:mac:vml" xmlns:p="http://schemas.openxmlformats.org/presentationml/2006/main" mc:Ignorable="mv" mc:PreserveAttributes="mv:*">
+<p:sld xmlns:a="http://schemas.openxmlformats.org/drawingml/2006/main" xmlns:r="http://schemas.openxmlformats.org/officeDocument/2006/relationships" xmlns:p="http://schemas.openxmlformats.org/presentationml/2006/main">
   <p:cSld>
     <p:spTree>
       <p:nvGrpSpPr>
@@ -3501,7 +3512,23 @@
                 <a:ea typeface="+mj-ea"/>
                 <a:cs typeface="+mj-cs"/>
               </a:rPr>
-              <a:t>Choosing a technology</a:t>
+              <a:t>Choosing </a:t>
+            </a:r>
+            <a:r>
+              <a:rPr lang="en-GB" sz="4400" dirty="0" smtClean="0">
+                <a:latin typeface="+mj-lt"/>
+                <a:ea typeface="+mj-ea"/>
+                <a:cs typeface="+mj-cs"/>
+              </a:rPr>
+              <a:t>technolog</a:t>
+            </a:r>
+            <a:r>
+              <a:rPr lang="en-GB" sz="4400" b="1" dirty="0" smtClean="0">
+                <a:latin typeface="+mj-lt"/>
+                <a:ea typeface="+mj-ea"/>
+                <a:cs typeface="+mj-cs"/>
+              </a:rPr>
+              <a:t>ies</a:t>
             </a:r>
             <a:endParaRPr kumimoji="0" lang="en-GB" sz="4400" b="0" i="0" u="none" strike="noStrike" kern="1200" cap="none" spc="0" normalizeH="0" baseline="0" noProof="0" dirty="0">
               <a:ln>
@@ -3529,7 +3556,7 @@
 </file>
 
 <file path=ppt/slides/slide12.xml><?xml version="1.0" encoding="utf-8"?>
-<p:sld xmlns:a="http://schemas.openxmlformats.org/drawingml/2006/main" xmlns:r="http://schemas.openxmlformats.org/officeDocument/2006/relationships" xmlns:mc="http://schemas.openxmlformats.org/markup-compatibility/2006" xmlns:mv="urn:schemas-microsoft-com:mac:vml" xmlns:p="http://schemas.openxmlformats.org/presentationml/2006/main" mc:Ignorable="mv" mc:PreserveAttributes="mv:*">
+<p:sld xmlns:a="http://schemas.openxmlformats.org/drawingml/2006/main" xmlns:r="http://schemas.openxmlformats.org/officeDocument/2006/relationships" xmlns:p="http://schemas.openxmlformats.org/presentationml/2006/main">
   <p:cSld>
     <p:spTree>
       <p:nvGrpSpPr>
@@ -3599,14 +3626,42 @@
             </a:r>
           </a:p>
           <a:p>
+            <a:endParaRPr lang="en-GB" dirty="0" smtClean="0"/>
+          </a:p>
+          <a:p>
             <a:r>
               <a:rPr lang="en-GB" dirty="0" err="1" smtClean="0"/>
               <a:t>PacBio</a:t>
             </a:r>
             <a:r>
               <a:rPr lang="en-GB" dirty="0" smtClean="0"/>
-              <a:t> very long reads</a:t>
-            </a:r>
+              <a:t> </a:t>
+            </a:r>
+            <a:r>
+              <a:rPr lang="en-GB" dirty="0" smtClean="0"/>
+              <a:t>very long </a:t>
+            </a:r>
+            <a:r>
+              <a:rPr lang="en-GB" dirty="0" smtClean="0"/>
+              <a:t>reads up to 20kb</a:t>
+            </a:r>
+          </a:p>
+          <a:p>
+            <a:pPr lvl="1"/>
+            <a:r>
+              <a:rPr lang="en-GB" dirty="0" smtClean="0"/>
+              <a:t>Circular consensus for accuracy</a:t>
+            </a:r>
+          </a:p>
+          <a:p>
+            <a:pPr lvl="1">
+              <a:buNone/>
+            </a:pPr>
+            <a:endParaRPr lang="en-GB" dirty="0" smtClean="0"/>
+          </a:p>
+          <a:p>
+            <a:pPr lvl="1"/>
+            <a:endParaRPr lang="en-GB" dirty="0" smtClean="0"/>
           </a:p>
           <a:p>
             <a:endParaRPr lang="en-GB" dirty="0"/>
@@ -3628,7 +3683,7 @@
 </file>
 
 <file path=ppt/slides/slide13.xml><?xml version="1.0" encoding="utf-8"?>
-<p:sld xmlns:a="http://schemas.openxmlformats.org/drawingml/2006/main" xmlns:r="http://schemas.openxmlformats.org/officeDocument/2006/relationships" xmlns:mc="http://schemas.openxmlformats.org/markup-compatibility/2006" xmlns:mv="urn:schemas-microsoft-com:mac:vml" xmlns:p="http://schemas.openxmlformats.org/presentationml/2006/main" mc:Ignorable="mv" mc:PreserveAttributes="mv:*">
+<p:sld xmlns:a="http://schemas.openxmlformats.org/drawingml/2006/main" xmlns:r="http://schemas.openxmlformats.org/officeDocument/2006/relationships" xmlns:p="http://schemas.openxmlformats.org/presentationml/2006/main">
   <p:cSld>
     <p:spTree>
       <p:nvGrpSpPr>
@@ -3679,13 +3734,29 @@
         </p:nvSpPr>
         <p:spPr/>
         <p:txBody>
-          <a:bodyPr/>
-          <a:lstStyle/>
-          <a:p>
-            <a:r>
-              <a:rPr lang="en-GB" dirty="0" smtClean="0"/>
-              <a:t>Large assemblies require large amount of memory</a:t>
-            </a:r>
+          <a:bodyPr>
+            <a:normAutofit lnSpcReduction="10000"/>
+          </a:bodyPr>
+          <a:lstStyle/>
+          <a:p>
+            <a:r>
+              <a:rPr lang="en-GB" dirty="0" smtClean="0"/>
+              <a:t>Large assemblies require large amount of </a:t>
+            </a:r>
+            <a:r>
+              <a:rPr lang="en-GB" dirty="0" smtClean="0"/>
+              <a:t>memory</a:t>
+            </a:r>
+          </a:p>
+          <a:p>
+            <a:endParaRPr lang="en-GB" dirty="0" smtClean="0"/>
+          </a:p>
+          <a:p>
+            <a:r>
+              <a:rPr lang="en-GB" dirty="0" smtClean="0"/>
+              <a:t>Estimating requirements may be difficult</a:t>
+            </a:r>
+            <a:endParaRPr lang="en-GB" dirty="0" smtClean="0"/>
           </a:p>
           <a:p>
             <a:endParaRPr lang="en-GB" dirty="0" smtClean="0"/>
@@ -3720,7 +3791,7 @@
 </file>
 
 <file path=ppt/slides/slide14.xml><?xml version="1.0" encoding="utf-8"?>
-<p:sld xmlns:a="http://schemas.openxmlformats.org/drawingml/2006/main" xmlns:r="http://schemas.openxmlformats.org/officeDocument/2006/relationships" xmlns:mc="http://schemas.openxmlformats.org/markup-compatibility/2006" xmlns:mv="urn:schemas-microsoft-com:mac:vml" xmlns:p="http://schemas.openxmlformats.org/presentationml/2006/main" mc:Ignorable="mv" mc:PreserveAttributes="mv:*">
+<p:sld xmlns:a="http://schemas.openxmlformats.org/drawingml/2006/main" xmlns:r="http://schemas.openxmlformats.org/officeDocument/2006/relationships" xmlns:p="http://schemas.openxmlformats.org/presentationml/2006/main">
   <p:cSld>
     <p:spTree>
       <p:nvGrpSpPr>
@@ -3805,7 +3876,7 @@
 </file>
 
 <file path=ppt/slides/slide15.xml><?xml version="1.0" encoding="utf-8"?>
-<p:sld xmlns:a="http://schemas.openxmlformats.org/drawingml/2006/main" xmlns:r="http://schemas.openxmlformats.org/officeDocument/2006/relationships" xmlns:mc="http://schemas.openxmlformats.org/markup-compatibility/2006" xmlns:mv="urn:schemas-microsoft-com:mac:vml" xmlns:p="http://schemas.openxmlformats.org/presentationml/2006/main" mc:Ignorable="mv" mc:PreserveAttributes="mv:*">
+<p:sld xmlns:a="http://schemas.openxmlformats.org/drawingml/2006/main" xmlns:r="http://schemas.openxmlformats.org/officeDocument/2006/relationships" xmlns:p="http://schemas.openxmlformats.org/presentationml/2006/main">
   <p:cSld>
     <p:spTree>
       <p:nvGrpSpPr>
@@ -3893,7 +3964,7 @@
 </file>
 
 <file path=ppt/slides/slide16.xml><?xml version="1.0" encoding="utf-8"?>
-<p:sld xmlns:a="http://schemas.openxmlformats.org/drawingml/2006/main" xmlns:r="http://schemas.openxmlformats.org/officeDocument/2006/relationships" xmlns:mc="http://schemas.openxmlformats.org/markup-compatibility/2006" xmlns:mv="urn:schemas-microsoft-com:mac:vml" xmlns:p="http://schemas.openxmlformats.org/presentationml/2006/main" mc:Ignorable="mv" mc:PreserveAttributes="mv:*">
+<p:sld xmlns:a="http://schemas.openxmlformats.org/drawingml/2006/main" xmlns:r="http://schemas.openxmlformats.org/officeDocument/2006/relationships" xmlns:p="http://schemas.openxmlformats.org/presentationml/2006/main">
   <p:cSld>
     <p:spTree>
       <p:nvGrpSpPr>
@@ -4016,7 +4087,7 @@
 </file>
 
 <file path=ppt/slides/slide17.xml><?xml version="1.0" encoding="utf-8"?>
-<p:sld xmlns:a="http://schemas.openxmlformats.org/drawingml/2006/main" xmlns:r="http://schemas.openxmlformats.org/officeDocument/2006/relationships" xmlns:mc="http://schemas.openxmlformats.org/markup-compatibility/2006" xmlns:mv="urn:schemas-microsoft-com:mac:vml" xmlns:p="http://schemas.openxmlformats.org/presentationml/2006/main" mc:Ignorable="mv" mc:PreserveAttributes="mv:*">
+<p:sld xmlns:a="http://schemas.openxmlformats.org/drawingml/2006/main" xmlns:r="http://schemas.openxmlformats.org/officeDocument/2006/relationships" xmlns:p="http://schemas.openxmlformats.org/presentationml/2006/main">
   <p:cSld>
     <p:spTree>
       <p:nvGrpSpPr>
@@ -4116,7 +4187,7 @@
 </file>
 
 <file path=ppt/slides/slide18.xml><?xml version="1.0" encoding="utf-8"?>
-<p:sld xmlns:a="http://schemas.openxmlformats.org/drawingml/2006/main" xmlns:r="http://schemas.openxmlformats.org/officeDocument/2006/relationships" xmlns:mc="http://schemas.openxmlformats.org/markup-compatibility/2006" xmlns:mv="urn:schemas-microsoft-com:mac:vml" xmlns:p="http://schemas.openxmlformats.org/presentationml/2006/main" mc:Ignorable="mv" mc:PreserveAttributes="mv:*">
+<p:sld xmlns:a="http://schemas.openxmlformats.org/drawingml/2006/main" xmlns:r="http://schemas.openxmlformats.org/officeDocument/2006/relationships" xmlns:p="http://schemas.openxmlformats.org/presentationml/2006/main">
   <p:cSld>
     <p:spTree>
       <p:nvGrpSpPr>
@@ -4151,7 +4222,7 @@
           <a:p>
             <a:r>
               <a:rPr lang="en-US" dirty="0" smtClean="0"/>
-              <a:t>How to sequence a genome</a:t>
+              <a:t>Basic recipes for genome</a:t>
             </a:r>
             <a:endParaRPr lang="en-US" dirty="0"/>
           </a:p>
@@ -4170,10 +4241,13 @@
         <p:spPr/>
         <p:txBody>
           <a:bodyPr>
-            <a:normAutofit fontScale="92500"/>
+            <a:normAutofit fontScale="92500" lnSpcReduction="20000"/>
           </a:bodyPr>
           <a:lstStyle/>
           <a:p>
+            <a:pPr>
+              <a:buNone/>
+            </a:pPr>
             <a:r>
               <a:rPr lang="en-US" dirty="0" smtClean="0"/>
               <a:t>Bacterial - 454</a:t>
@@ -4182,44 +4256,72 @@
           <a:p>
             <a:r>
               <a:rPr lang="en-US" dirty="0" smtClean="0"/>
-              <a:t>	some shotgun</a:t>
-            </a:r>
+              <a:t>some shotgun (~10x)</a:t>
+            </a:r>
+            <a:endParaRPr lang="en-US" dirty="0" smtClean="0"/>
           </a:p>
           <a:p>
             <a:r>
               <a:rPr lang="en-US" dirty="0" smtClean="0"/>
-              <a:t>	8kb PE library</a:t>
-            </a:r>
-          </a:p>
-          <a:p>
+              <a:t>8kb </a:t>
+            </a:r>
             <a:r>
               <a:rPr lang="en-US" dirty="0" smtClean="0"/>
-              <a:t>	</a:t>
-            </a:r>
+              <a:t>PE </a:t>
+            </a:r>
+            <a:r>
+              <a:rPr lang="en-US" dirty="0" smtClean="0"/>
+              <a:t>library (low coverage)</a:t>
+            </a:r>
+            <a:endParaRPr lang="en-US" dirty="0" smtClean="0"/>
+          </a:p>
+          <a:p>
+            <a:r>
+              <a:rPr lang="en-US" dirty="0" smtClean="0">
+                <a:sym typeface="Wingdings"/>
+              </a:rPr>
+              <a:t> </a:t>
+            </a:r>
+            <a:r>
+              <a:rPr lang="en-US" dirty="0" smtClean="0">
+                <a:sym typeface="Wingdings"/>
+              </a:rPr>
+              <a:t>should give 1 scaffold per </a:t>
+            </a:r>
+            <a:r>
+              <a:rPr lang="en-US" dirty="0" smtClean="0">
+                <a:sym typeface="Wingdings"/>
+              </a:rPr>
+              <a:t>chromosome</a:t>
+            </a:r>
+          </a:p>
+          <a:p>
             <a:r>
               <a:rPr lang="en-US" dirty="0" err="1" smtClean="0">
                 <a:sym typeface="Wingdings"/>
               </a:rPr>
-              <a:t></a:t>
+              <a:t>Homopolymer</a:t>
             </a:r>
             <a:r>
               <a:rPr lang="en-US" dirty="0" smtClean="0">
                 <a:sym typeface="Wingdings"/>
               </a:rPr>
-              <a:t> should give 1 scaffold </a:t>
-            </a:r>
-            <a:r>
-              <a:rPr lang="en-US" smtClean="0">
-                <a:sym typeface="Wingdings"/>
-              </a:rPr>
-              <a:t>per chromosome</a:t>
-            </a:r>
-            <a:endParaRPr lang="en-US" smtClean="0"/>
-          </a:p>
-          <a:p>
+              <a:t> errors</a:t>
+            </a:r>
+            <a:endParaRPr lang="en-US" dirty="0" smtClean="0">
+              <a:sym typeface="Wingdings"/>
+            </a:endParaRPr>
+          </a:p>
+          <a:p>
+            <a:pPr>
+              <a:buNone/>
+            </a:pPr>
             <a:endParaRPr lang="en-US" dirty="0" smtClean="0"/>
           </a:p>
           <a:p>
+            <a:pPr>
+              <a:buNone/>
+            </a:pPr>
             <a:r>
               <a:rPr lang="en-US" dirty="0" smtClean="0"/>
               <a:t>Bacterial – </a:t>
@@ -4233,13 +4335,26 @@
           <a:p>
             <a:r>
               <a:rPr lang="en-US" dirty="0" smtClean="0"/>
-              <a:t>	foundation of PE</a:t>
-            </a:r>
+              <a:t>Paired-end reads required</a:t>
+            </a:r>
+            <a:endParaRPr lang="en-US" dirty="0" smtClean="0"/>
           </a:p>
           <a:p>
             <a:r>
               <a:rPr lang="en-US" dirty="0" smtClean="0"/>
-              <a:t>	the more mate pair libraries, the better</a:t>
+              <a:t>the </a:t>
+            </a:r>
+            <a:r>
+              <a:rPr lang="en-US" dirty="0" smtClean="0"/>
+              <a:t>more mate pair </a:t>
+            </a:r>
+            <a:r>
+              <a:rPr lang="en-US" dirty="0" smtClean="0"/>
+              <a:t>libraries</a:t>
+            </a:r>
+            <a:r>
+              <a:rPr lang="en-US" dirty="0" smtClean="0"/>
+              <a:t>, the better</a:t>
             </a:r>
           </a:p>
         </p:txBody>
@@ -4253,7 +4368,7 @@
 </file>
 
 <file path=ppt/slides/slide19.xml><?xml version="1.0" encoding="utf-8"?>
-<p:sld xmlns:a="http://schemas.openxmlformats.org/drawingml/2006/main" xmlns:r="http://schemas.openxmlformats.org/officeDocument/2006/relationships" xmlns:mc="http://schemas.openxmlformats.org/markup-compatibility/2006" xmlns:mv="urn:schemas-microsoft-com:mac:vml" xmlns:p="http://schemas.openxmlformats.org/presentationml/2006/main" mc:Ignorable="mv" mc:PreserveAttributes="mv:*">
+<p:sld xmlns:a="http://schemas.openxmlformats.org/drawingml/2006/main" xmlns:r="http://schemas.openxmlformats.org/officeDocument/2006/relationships" xmlns:p="http://schemas.openxmlformats.org/presentationml/2006/main">
   <p:cSld>
     <p:spTree>
       <p:nvGrpSpPr>
@@ -4383,7 +4498,7 @@
           <p:nvPr/>
         </p:nvPicPr>
         <p:blipFill>
-          <a:blip r:embed="rId2"/>
+          <a:blip r:embed="rId2" cstate="print"/>
           <a:stretch>
             <a:fillRect/>
           </a:stretch>
@@ -4473,7 +4588,7 @@
 </file>
 
 <file path=ppt/slides/slide2.xml><?xml version="1.0" encoding="utf-8"?>
-<p:sld xmlns:a="http://schemas.openxmlformats.org/drawingml/2006/main" xmlns:r="http://schemas.openxmlformats.org/officeDocument/2006/relationships" xmlns:mc="http://schemas.openxmlformats.org/markup-compatibility/2006" xmlns:mv="urn:schemas-microsoft-com:mac:vml" xmlns:p="http://schemas.openxmlformats.org/presentationml/2006/main" mc:Ignorable="mv" mc:PreserveAttributes="mv:*">
+<p:sld xmlns:a="http://schemas.openxmlformats.org/drawingml/2006/main" xmlns:r="http://schemas.openxmlformats.org/officeDocument/2006/relationships" xmlns:p="http://schemas.openxmlformats.org/presentationml/2006/main">
   <p:cSld>
     <p:spTree>
       <p:nvGrpSpPr>
@@ -4607,7 +4722,7 @@
         </p:nvSpPr>
         <p:spPr>
           <a:xfrm>
-            <a:off x="6444208" y="5013176"/>
+            <a:off x="6228184" y="5013176"/>
             <a:ext cx="1656184" cy="584775"/>
           </a:xfrm>
           <a:prstGeom prst="rect">
@@ -4638,7 +4753,7 @@
 </file>
 
 <file path=ppt/slides/slide20.xml><?xml version="1.0" encoding="utf-8"?>
-<p:sld xmlns:a="http://schemas.openxmlformats.org/drawingml/2006/main" xmlns:r="http://schemas.openxmlformats.org/officeDocument/2006/relationships" xmlns:mc="http://schemas.openxmlformats.org/markup-compatibility/2006" xmlns:mv="urn:schemas-microsoft-com:mac:vml" xmlns:p="http://schemas.openxmlformats.org/presentationml/2006/main" mc:Ignorable="mv" mc:PreserveAttributes="mv:*">
+<p:sld xmlns:a="http://schemas.openxmlformats.org/drawingml/2006/main" xmlns:r="http://schemas.openxmlformats.org/officeDocument/2006/relationships" xmlns:p="http://schemas.openxmlformats.org/presentationml/2006/main">
   <p:cSld>
     <p:spTree>
       <p:nvGrpSpPr>
@@ -4710,7 +4825,7 @@
           <p:nvPr/>
         </p:nvPicPr>
         <p:blipFill>
-          <a:blip r:embed="rId2"/>
+          <a:blip r:embed="rId2" cstate="print"/>
           <a:stretch>
             <a:fillRect/>
           </a:stretch>
@@ -4780,7 +4895,7 @@
 </file>
 
 <file path=ppt/slides/slide3.xml><?xml version="1.0" encoding="utf-8"?>
-<p:sld xmlns:a="http://schemas.openxmlformats.org/drawingml/2006/main" xmlns:r="http://schemas.openxmlformats.org/officeDocument/2006/relationships" xmlns:mc="http://schemas.openxmlformats.org/markup-compatibility/2006" xmlns:mv="urn:schemas-microsoft-com:mac:vml" xmlns:p="http://schemas.openxmlformats.org/presentationml/2006/main" mc:Ignorable="mv" mc:PreserveAttributes="mv:*">
+<p:sld xmlns:a="http://schemas.openxmlformats.org/drawingml/2006/main" xmlns:r="http://schemas.openxmlformats.org/officeDocument/2006/relationships" xmlns:p="http://schemas.openxmlformats.org/presentationml/2006/main">
   <p:cSld>
     <p:spTree>
       <p:nvGrpSpPr>
@@ -4924,7 +5039,7 @@
 </file>
 
 <file path=ppt/slides/slide4.xml><?xml version="1.0" encoding="utf-8"?>
-<p:sld xmlns:a="http://schemas.openxmlformats.org/drawingml/2006/main" xmlns:r="http://schemas.openxmlformats.org/officeDocument/2006/relationships" xmlns:mc="http://schemas.openxmlformats.org/markup-compatibility/2006" xmlns:mv="urn:schemas-microsoft-com:mac:vml" xmlns:p="http://schemas.openxmlformats.org/presentationml/2006/main" mc:Ignorable="mv" mc:PreserveAttributes="mv:*">
+<p:sld xmlns:a="http://schemas.openxmlformats.org/drawingml/2006/main" xmlns:r="http://schemas.openxmlformats.org/officeDocument/2006/relationships" xmlns:p="http://schemas.openxmlformats.org/presentationml/2006/main">
   <p:cSld>
     <p:spTree>
       <p:nvGrpSpPr>
@@ -4977,7 +5092,7 @@
 </file>
 
 <file path=ppt/slides/slide5.xml><?xml version="1.0" encoding="utf-8"?>
-<p:sld xmlns:a="http://schemas.openxmlformats.org/drawingml/2006/main" xmlns:r="http://schemas.openxmlformats.org/officeDocument/2006/relationships" xmlns:mc="http://schemas.openxmlformats.org/markup-compatibility/2006" xmlns:mv="urn:schemas-microsoft-com:mac:vml" xmlns:p="http://schemas.openxmlformats.org/presentationml/2006/main" mc:Ignorable="mv" mc:PreserveAttributes="mv:*">
+<p:sld xmlns:a="http://schemas.openxmlformats.org/drawingml/2006/main" xmlns:r="http://schemas.openxmlformats.org/officeDocument/2006/relationships" xmlns:p="http://schemas.openxmlformats.org/presentationml/2006/main">
   <p:cSld>
     <p:spTree>
       <p:nvGrpSpPr>
@@ -5006,7 +5121,7 @@
         <p:spPr/>
         <p:txBody>
           <a:bodyPr>
-            <a:normAutofit fontScale="90000"/>
+            <a:normAutofit/>
           </a:bodyPr>
           <a:lstStyle/>
           <a:p>
@@ -5116,7 +5231,7 @@
         </p:nvSpPr>
         <p:spPr>
           <a:xfrm>
-            <a:off x="2987824" y="5517232"/>
+            <a:off x="3059832" y="5517232"/>
             <a:ext cx="3384376" cy="646331"/>
           </a:xfrm>
           <a:prstGeom prst="rect">
@@ -5147,7 +5262,7 @@
 </file>
 
 <file path=ppt/slides/slide6.xml><?xml version="1.0" encoding="utf-8"?>
-<p:sld xmlns:a="http://schemas.openxmlformats.org/drawingml/2006/main" xmlns:r="http://schemas.openxmlformats.org/officeDocument/2006/relationships" xmlns:mc="http://schemas.openxmlformats.org/markup-compatibility/2006" xmlns:mv="urn:schemas-microsoft-com:mac:vml" xmlns:p="http://schemas.openxmlformats.org/presentationml/2006/main" mc:Ignorable="mv" mc:PreserveAttributes="mv:*">
+<p:sld xmlns:a="http://schemas.openxmlformats.org/drawingml/2006/main" xmlns:r="http://schemas.openxmlformats.org/officeDocument/2006/relationships" xmlns:p="http://schemas.openxmlformats.org/presentationml/2006/main">
   <p:cSld>
     <p:spTree>
       <p:nvGrpSpPr>
@@ -5259,7 +5374,7 @@
 </file>
 
 <file path=ppt/slides/slide7.xml><?xml version="1.0" encoding="utf-8"?>
-<p:sld xmlns:a="http://schemas.openxmlformats.org/drawingml/2006/main" xmlns:r="http://schemas.openxmlformats.org/officeDocument/2006/relationships" xmlns:mc="http://schemas.openxmlformats.org/markup-compatibility/2006" xmlns:mv="urn:schemas-microsoft-com:mac:vml" xmlns:p="http://schemas.openxmlformats.org/presentationml/2006/main" mc:Ignorable="mv" mc:PreserveAttributes="mv:*">
+<p:sld xmlns:a="http://schemas.openxmlformats.org/drawingml/2006/main" xmlns:r="http://schemas.openxmlformats.org/officeDocument/2006/relationships" xmlns:p="http://schemas.openxmlformats.org/presentationml/2006/main">
   <p:cSld>
     <p:spTree>
       <p:nvGrpSpPr>
@@ -5442,8 +5557,22 @@
                 <a:ea typeface="+mn-ea"/>
                 <a:cs typeface="+mn-cs"/>
               </a:rPr>
-              <a:t>Eukaryotic</a:t>
-            </a:r>
+              <a:t>Small eukaryotic</a:t>
+            </a:r>
+            <a:endParaRPr kumimoji="0" lang="en-GB" sz="2800" b="0" i="0" u="none" strike="noStrike" kern="1200" cap="none" spc="0" normalizeH="0" baseline="0" noProof="0" dirty="0" smtClean="0">
+              <a:ln>
+                <a:noFill/>
+              </a:ln>
+              <a:solidFill>
+                <a:schemeClr val="tx1"/>
+              </a:solidFill>
+              <a:effectLst/>
+              <a:uLnTx/>
+              <a:uFillTx/>
+              <a:latin typeface="+mn-lt"/>
+              <a:ea typeface="+mn-ea"/>
+              <a:cs typeface="+mn-cs"/>
+            </a:endParaRPr>
           </a:p>
           <a:p>
             <a:pPr marL="742950" marR="0" lvl="1" indent="-285750" algn="l" defTabSz="914400" rtl="0" eaLnBrk="1" fontAlgn="auto" latinLnBrk="0" hangingPunct="1">
@@ -5722,7 +5851,7 @@
 </file>
 
 <file path=ppt/slides/slide8.xml><?xml version="1.0" encoding="utf-8"?>
-<p:sld xmlns:a="http://schemas.openxmlformats.org/drawingml/2006/main" xmlns:r="http://schemas.openxmlformats.org/officeDocument/2006/relationships" xmlns:mc="http://schemas.openxmlformats.org/markup-compatibility/2006" xmlns:mv="urn:schemas-microsoft-com:mac:vml" xmlns:p="http://schemas.openxmlformats.org/presentationml/2006/main" mc:Ignorable="mv" mc:PreserveAttributes="mv:*">
+<p:sld xmlns:a="http://schemas.openxmlformats.org/drawingml/2006/main" xmlns:r="http://schemas.openxmlformats.org/officeDocument/2006/relationships" xmlns:p="http://schemas.openxmlformats.org/presentationml/2006/main">
   <p:cSld>
     <p:spTree>
       <p:nvGrpSpPr>
@@ -5806,7 +5935,15 @@
             </a:r>
             <a:r>
               <a:rPr lang="en-GB" dirty="0" smtClean="0"/>
-              <a:t>, WGS)</a:t>
+              <a:t>, </a:t>
+            </a:r>
+            <a:r>
+              <a:rPr lang="en-GB" dirty="0" smtClean="0"/>
+              <a:t>very draft WGS</a:t>
+            </a:r>
+            <a:r>
+              <a:rPr lang="en-GB" dirty="0" smtClean="0"/>
+              <a:t>)</a:t>
             </a:r>
           </a:p>
           <a:p>
@@ -5875,7 +6012,7 @@
 </file>
 
 <file path=ppt/slides/slide9.xml><?xml version="1.0" encoding="utf-8"?>
-<p:sld xmlns:a="http://schemas.openxmlformats.org/drawingml/2006/main" xmlns:r="http://schemas.openxmlformats.org/officeDocument/2006/relationships" xmlns:mc="http://schemas.openxmlformats.org/markup-compatibility/2006" xmlns:mv="urn:schemas-microsoft-com:mac:vml" xmlns:p="http://schemas.openxmlformats.org/presentationml/2006/main" mc:Ignorable="mv" mc:PreserveAttributes="mv:*">
+<p:sld xmlns:a="http://schemas.openxmlformats.org/drawingml/2006/main" xmlns:r="http://schemas.openxmlformats.org/officeDocument/2006/relationships" xmlns:p="http://schemas.openxmlformats.org/presentationml/2006/main">
   <p:cSld>
     <p:spTree>
       <p:nvGrpSpPr>
